--- a/발표자료.pptx
+++ b/발표자료.pptx
@@ -7,7 +7,7 @@
     <p:sldMasterId id="2147483651" r:id="rId6"/>
   </p:sldMasterIdLst>
   <p:notesMasterIdLst>
-    <p:notesMasterId r:id="rId22"/>
+    <p:notesMasterId r:id="rId26"/>
   </p:notesMasterIdLst>
   <p:sldIdLst>
     <p:sldId id="257" r:id="rId7"/>
@@ -22,9 +22,13 @@
     <p:sldId id="312" r:id="rId16"/>
     <p:sldId id="305" r:id="rId17"/>
     <p:sldId id="306" r:id="rId18"/>
-    <p:sldId id="307" r:id="rId19"/>
-    <p:sldId id="299" r:id="rId20"/>
-    <p:sldId id="258" r:id="rId21"/>
+    <p:sldId id="315" r:id="rId19"/>
+    <p:sldId id="313" r:id="rId20"/>
+    <p:sldId id="318" r:id="rId21"/>
+    <p:sldId id="319" r:id="rId22"/>
+    <p:sldId id="314" r:id="rId23"/>
+    <p:sldId id="299" r:id="rId24"/>
+    <p:sldId id="258" r:id="rId25"/>
   </p:sldIdLst>
   <p:sldSz cx="9906000" cy="6858000" type="A4"/>
   <p:notesSz cx="6858000" cy="9144000"/>
@@ -183,7 +187,11 @@
             <p14:sldId id="312"/>
             <p14:sldId id="305"/>
             <p14:sldId id="306"/>
-            <p14:sldId id="307"/>
+            <p14:sldId id="315"/>
+            <p14:sldId id="313"/>
+            <p14:sldId id="318"/>
+            <p14:sldId id="319"/>
+            <p14:sldId id="314"/>
             <p14:sldId id="299"/>
             <p14:sldId id="258"/>
           </p14:sldIdLst>
@@ -237,7 +245,7 @@
 <file path=ppt/revisionInfo.xml><?xml version="1.0" encoding="utf-8"?>
 <p1510:revInfo xmlns:a="http://schemas.openxmlformats.org/drawingml/2006/main" xmlns:r="http://schemas.openxmlformats.org/officeDocument/2006/relationships" xmlns:p1510="http://schemas.microsoft.com/office/powerpoint/2015/10/main">
   <p1510:revLst>
-    <p1510:client id="{EBFF54CE-D8F5-47E7-81E2-52E764AC1785}" v="59" dt="2022-06-15T09:54:57.109"/>
+    <p1510:client id="{B9317B36-105D-4008-A95B-466619FEB76C}" v="101" dt="2022-06-20T04:11:58.824"/>
   </p1510:revLst>
 </p1510:revInfo>
 </file>
@@ -927,7 +935,333 @@
       </pc:sldMasterChg>
     </pc:docChg>
   </pc:docChgLst>
+  <pc:docChgLst>
+    <pc:chgData name="Elio Jung" userId="f3e469b5-5381-413c-8cf3-cc8eaa7f60a7" providerId="ADAL" clId="{B9317B36-105D-4008-A95B-466619FEB76C}"/>
+    <pc:docChg chg="custSel addSld modSld sldOrd modSection">
+      <pc:chgData name="Elio Jung" userId="f3e469b5-5381-413c-8cf3-cc8eaa7f60a7" providerId="ADAL" clId="{B9317B36-105D-4008-A95B-466619FEB76C}" dt="2022-06-20T04:11:58.824" v="1255"/>
+      <pc:docMkLst>
+        <pc:docMk/>
+      </pc:docMkLst>
+      <pc:sldChg chg="modSp mod">
+        <pc:chgData name="Elio Jung" userId="f3e469b5-5381-413c-8cf3-cc8eaa7f60a7" providerId="ADAL" clId="{B9317B36-105D-4008-A95B-466619FEB76C}" dt="2022-06-20T03:10:36.086" v="971"/>
+        <pc:sldMkLst>
+          <pc:docMk/>
+          <pc:sldMk cId="0" sldId="274"/>
+        </pc:sldMkLst>
+        <pc:spChg chg="mod">
+          <ac:chgData name="Elio Jung" userId="f3e469b5-5381-413c-8cf3-cc8eaa7f60a7" providerId="ADAL" clId="{B9317B36-105D-4008-A95B-466619FEB76C}" dt="2022-06-20T03:10:36.086" v="971"/>
+          <ac:spMkLst>
+            <pc:docMk/>
+            <pc:sldMk cId="0" sldId="274"/>
+            <ac:spMk id="11" creationId="{17547316-12D1-900E-C846-E2B329C0830C}"/>
+          </ac:spMkLst>
+        </pc:spChg>
+      </pc:sldChg>
+      <pc:sldChg chg="addSp delSp modSp mod">
+        <pc:chgData name="Elio Jung" userId="f3e469b5-5381-413c-8cf3-cc8eaa7f60a7" providerId="ADAL" clId="{B9317B36-105D-4008-A95B-466619FEB76C}" dt="2022-06-20T02:55:43.883" v="415" actId="12789"/>
+        <pc:sldMkLst>
+          <pc:docMk/>
+          <pc:sldMk cId="4225106926" sldId="305"/>
+        </pc:sldMkLst>
+        <pc:spChg chg="del mod">
+          <ac:chgData name="Elio Jung" userId="f3e469b5-5381-413c-8cf3-cc8eaa7f60a7" providerId="ADAL" clId="{B9317B36-105D-4008-A95B-466619FEB76C}" dt="2022-06-20T02:55:30.563" v="411" actId="478"/>
+          <ac:spMkLst>
+            <pc:docMk/>
+            <pc:sldMk cId="4225106926" sldId="305"/>
+            <ac:spMk id="3" creationId="{7910D7A0-3CB2-46BF-C0CB-FD4CCA963E14}"/>
+          </ac:spMkLst>
+        </pc:spChg>
+        <pc:spChg chg="add del mod">
+          <ac:chgData name="Elio Jung" userId="f3e469b5-5381-413c-8cf3-cc8eaa7f60a7" providerId="ADAL" clId="{B9317B36-105D-4008-A95B-466619FEB76C}" dt="2022-06-20T02:55:38.529" v="412"/>
+          <ac:spMkLst>
+            <pc:docMk/>
+            <pc:sldMk cId="4225106926" sldId="305"/>
+            <ac:spMk id="5" creationId="{12C0E226-3A17-8DFF-811D-AB6B5DD334EE}"/>
+          </ac:spMkLst>
+        </pc:spChg>
+        <pc:picChg chg="add mod">
+          <ac:chgData name="Elio Jung" userId="f3e469b5-5381-413c-8cf3-cc8eaa7f60a7" providerId="ADAL" clId="{B9317B36-105D-4008-A95B-466619FEB76C}" dt="2022-06-20T02:55:43.883" v="415" actId="12789"/>
+          <ac:picMkLst>
+            <pc:docMk/>
+            <pc:sldMk cId="4225106926" sldId="305"/>
+            <ac:picMk id="7" creationId="{488F7D5C-6400-9472-300B-17D26F2850A0}"/>
+          </ac:picMkLst>
+        </pc:picChg>
+      </pc:sldChg>
+      <pc:sldChg chg="modSp mod">
+        <pc:chgData name="Elio Jung" userId="f3e469b5-5381-413c-8cf3-cc8eaa7f60a7" providerId="ADAL" clId="{B9317B36-105D-4008-A95B-466619FEB76C}" dt="2022-06-20T02:56:41.702" v="462" actId="207"/>
+        <pc:sldMkLst>
+          <pc:docMk/>
+          <pc:sldMk cId="1281947445" sldId="306"/>
+        </pc:sldMkLst>
+        <pc:spChg chg="mod">
+          <ac:chgData name="Elio Jung" userId="f3e469b5-5381-413c-8cf3-cc8eaa7f60a7" providerId="ADAL" clId="{B9317B36-105D-4008-A95B-466619FEB76C}" dt="2022-06-20T02:56:41.702" v="462" actId="207"/>
+          <ac:spMkLst>
+            <pc:docMk/>
+            <pc:sldMk cId="1281947445" sldId="306"/>
+            <ac:spMk id="3" creationId="{7910D7A0-3CB2-46BF-C0CB-FD4CCA963E14}"/>
+          </ac:spMkLst>
+        </pc:spChg>
+      </pc:sldChg>
+      <pc:sldChg chg="addSp delSp modSp add mod">
+        <pc:chgData name="Elio Jung" userId="f3e469b5-5381-413c-8cf3-cc8eaa7f60a7" providerId="ADAL" clId="{B9317B36-105D-4008-A95B-466619FEB76C}" dt="2022-06-20T02:58:14.737" v="467" actId="12789"/>
+        <pc:sldMkLst>
+          <pc:docMk/>
+          <pc:sldMk cId="3961234830" sldId="313"/>
+        </pc:sldMkLst>
+        <pc:spChg chg="del">
+          <ac:chgData name="Elio Jung" userId="f3e469b5-5381-413c-8cf3-cc8eaa7f60a7" providerId="ADAL" clId="{B9317B36-105D-4008-A95B-466619FEB76C}" dt="2022-06-20T02:57:30.801" v="463" actId="478"/>
+          <ac:spMkLst>
+            <pc:docMk/>
+            <pc:sldMk cId="3961234830" sldId="313"/>
+            <ac:spMk id="3" creationId="{7910D7A0-3CB2-46BF-C0CB-FD4CCA963E14}"/>
+          </ac:spMkLst>
+        </pc:spChg>
+        <pc:spChg chg="add del mod">
+          <ac:chgData name="Elio Jung" userId="f3e469b5-5381-413c-8cf3-cc8eaa7f60a7" providerId="ADAL" clId="{B9317B36-105D-4008-A95B-466619FEB76C}" dt="2022-06-20T02:58:06.843" v="464"/>
+          <ac:spMkLst>
+            <pc:docMk/>
+            <pc:sldMk cId="3961234830" sldId="313"/>
+            <ac:spMk id="5" creationId="{90164DB2-0786-4DCE-3F32-68784D1859EF}"/>
+          </ac:spMkLst>
+        </pc:spChg>
+        <pc:picChg chg="add mod">
+          <ac:chgData name="Elio Jung" userId="f3e469b5-5381-413c-8cf3-cc8eaa7f60a7" providerId="ADAL" clId="{B9317B36-105D-4008-A95B-466619FEB76C}" dt="2022-06-20T02:58:14.737" v="467" actId="12789"/>
+          <ac:picMkLst>
+            <pc:docMk/>
+            <pc:sldMk cId="3961234830" sldId="313"/>
+            <ac:picMk id="7" creationId="{34A6345E-92AF-F07F-8DFF-5CDC89B6A926}"/>
+          </ac:picMkLst>
+        </pc:picChg>
+      </pc:sldChg>
+      <pc:sldChg chg="addSp delSp modSp add mod">
+        <pc:chgData name="Elio Jung" userId="f3e469b5-5381-413c-8cf3-cc8eaa7f60a7" providerId="ADAL" clId="{B9317B36-105D-4008-A95B-466619FEB76C}" dt="2022-06-20T03:10:26.266" v="953"/>
+        <pc:sldMkLst>
+          <pc:docMk/>
+          <pc:sldMk cId="4080345912" sldId="314"/>
+        </pc:sldMkLst>
+        <pc:spChg chg="mod">
+          <ac:chgData name="Elio Jung" userId="f3e469b5-5381-413c-8cf3-cc8eaa7f60a7" providerId="ADAL" clId="{B9317B36-105D-4008-A95B-466619FEB76C}" dt="2022-06-20T03:10:26.266" v="953"/>
+          <ac:spMkLst>
+            <pc:docMk/>
+            <pc:sldMk cId="4080345912" sldId="314"/>
+            <ac:spMk id="2" creationId="{EAD95F4D-8E84-4F98-7B3C-DE985B511B31}"/>
+          </ac:spMkLst>
+        </pc:spChg>
+        <pc:spChg chg="add del mod">
+          <ac:chgData name="Elio Jung" userId="f3e469b5-5381-413c-8cf3-cc8eaa7f60a7" providerId="ADAL" clId="{B9317B36-105D-4008-A95B-466619FEB76C}" dt="2022-06-20T02:01:52.930" v="389" actId="478"/>
+          <ac:spMkLst>
+            <pc:docMk/>
+            <pc:sldMk cId="4080345912" sldId="314"/>
+            <ac:spMk id="3" creationId="{7910D7A0-3CB2-46BF-C0CB-FD4CCA963E14}"/>
+          </ac:spMkLst>
+        </pc:spChg>
+        <pc:spChg chg="add del">
+          <ac:chgData name="Elio Jung" userId="f3e469b5-5381-413c-8cf3-cc8eaa7f60a7" providerId="ADAL" clId="{B9317B36-105D-4008-A95B-466619FEB76C}" dt="2022-06-20T02:01:37.516" v="381"/>
+          <ac:spMkLst>
+            <pc:docMk/>
+            <pc:sldMk cId="4080345912" sldId="314"/>
+            <ac:spMk id="4" creationId="{F6DEA6FB-4792-ED8A-A361-082DD1A9E9B8}"/>
+          </ac:spMkLst>
+        </pc:spChg>
+        <pc:spChg chg="add del mod">
+          <ac:chgData name="Elio Jung" userId="f3e469b5-5381-413c-8cf3-cc8eaa7f60a7" providerId="ADAL" clId="{B9317B36-105D-4008-A95B-466619FEB76C}" dt="2022-06-20T02:01:51.536" v="388"/>
+          <ac:spMkLst>
+            <pc:docMk/>
+            <pc:sldMk cId="4080345912" sldId="314"/>
+            <ac:spMk id="5" creationId="{0848F92C-AE8A-D9A1-85D3-057B9A7D850C}"/>
+          </ac:spMkLst>
+        </pc:spChg>
+        <pc:spChg chg="add del">
+          <ac:chgData name="Elio Jung" userId="f3e469b5-5381-413c-8cf3-cc8eaa7f60a7" providerId="ADAL" clId="{B9317B36-105D-4008-A95B-466619FEB76C}" dt="2022-06-20T02:02:23.364" v="394" actId="478"/>
+          <ac:spMkLst>
+            <pc:docMk/>
+            <pc:sldMk cId="4080345912" sldId="314"/>
+            <ac:spMk id="6" creationId="{489ED00B-910A-9350-CECA-92841B3DE65D}"/>
+          </ac:spMkLst>
+        </pc:spChg>
+        <pc:spChg chg="add mod">
+          <ac:chgData name="Elio Jung" userId="f3e469b5-5381-413c-8cf3-cc8eaa7f60a7" providerId="ADAL" clId="{B9317B36-105D-4008-A95B-466619FEB76C}" dt="2022-06-20T02:18:01.596" v="409" actId="113"/>
+          <ac:spMkLst>
+            <pc:docMk/>
+            <pc:sldMk cId="4080345912" sldId="314"/>
+            <ac:spMk id="7" creationId="{C935D64A-5132-323E-E294-F1CD3D5EADFE}"/>
+          </ac:spMkLst>
+        </pc:spChg>
+      </pc:sldChg>
+      <pc:sldChg chg="modSp add mod">
+        <pc:chgData name="Elio Jung" userId="f3e469b5-5381-413c-8cf3-cc8eaa7f60a7" providerId="ADAL" clId="{B9317B36-105D-4008-A95B-466619FEB76C}" dt="2022-06-20T03:01:26.154" v="525"/>
+        <pc:sldMkLst>
+          <pc:docMk/>
+          <pc:sldMk cId="3759127619" sldId="315"/>
+        </pc:sldMkLst>
+        <pc:spChg chg="mod">
+          <ac:chgData name="Elio Jung" userId="f3e469b5-5381-413c-8cf3-cc8eaa7f60a7" providerId="ADAL" clId="{B9317B36-105D-4008-A95B-466619FEB76C}" dt="2022-06-20T03:01:26.154" v="525"/>
+          <ac:spMkLst>
+            <pc:docMk/>
+            <pc:sldMk cId="3759127619" sldId="315"/>
+            <ac:spMk id="2" creationId="{EAD95F4D-8E84-4F98-7B3C-DE985B511B31}"/>
+          </ac:spMkLst>
+        </pc:spChg>
+      </pc:sldChg>
+      <pc:sldChg chg="addSp delSp modSp add mod ord">
+        <pc:chgData name="Elio Jung" userId="f3e469b5-5381-413c-8cf3-cc8eaa7f60a7" providerId="ADAL" clId="{B9317B36-105D-4008-A95B-466619FEB76C}" dt="2022-06-20T04:11:58.824" v="1255"/>
+        <pc:sldMkLst>
+          <pc:docMk/>
+          <pc:sldMk cId="3768004868" sldId="316"/>
+        </pc:sldMkLst>
+        <pc:spChg chg="mod">
+          <ac:chgData name="Elio Jung" userId="f3e469b5-5381-413c-8cf3-cc8eaa7f60a7" providerId="ADAL" clId="{B9317B36-105D-4008-A95B-466619FEB76C}" dt="2022-06-20T04:09:22.551" v="998"/>
+          <ac:spMkLst>
+            <pc:docMk/>
+            <pc:sldMk cId="3768004868" sldId="316"/>
+            <ac:spMk id="2" creationId="{EAD95F4D-8E84-4F98-7B3C-DE985B511B31}"/>
+          </ac:spMkLst>
+        </pc:spChg>
+        <pc:spChg chg="del">
+          <ac:chgData name="Elio Jung" userId="f3e469b5-5381-413c-8cf3-cc8eaa7f60a7" providerId="ADAL" clId="{B9317B36-105D-4008-A95B-466619FEB76C}" dt="2022-06-20T03:02:26.066" v="629" actId="478"/>
+          <ac:spMkLst>
+            <pc:docMk/>
+            <pc:sldMk cId="3768004868" sldId="316"/>
+            <ac:spMk id="3" creationId="{7910D7A0-3CB2-46BF-C0CB-FD4CCA963E14}"/>
+          </ac:spMkLst>
+        </pc:spChg>
+        <pc:spChg chg="add del mod">
+          <ac:chgData name="Elio Jung" userId="f3e469b5-5381-413c-8cf3-cc8eaa7f60a7" providerId="ADAL" clId="{B9317B36-105D-4008-A95B-466619FEB76C}" dt="2022-06-20T03:02:27.627" v="631" actId="478"/>
+          <ac:spMkLst>
+            <pc:docMk/>
+            <pc:sldMk cId="3768004868" sldId="316"/>
+            <ac:spMk id="5" creationId="{5193DAFD-5B71-A510-D2E0-3A0D468D0F42}"/>
+          </ac:spMkLst>
+        </pc:spChg>
+        <pc:spChg chg="add mod">
+          <ac:chgData name="Elio Jung" userId="f3e469b5-5381-413c-8cf3-cc8eaa7f60a7" providerId="ADAL" clId="{B9317B36-105D-4008-A95B-466619FEB76C}" dt="2022-06-20T03:03:36.279" v="780" actId="1076"/>
+          <ac:spMkLst>
+            <pc:docMk/>
+            <pc:sldMk cId="3768004868" sldId="316"/>
+            <ac:spMk id="6" creationId="{22DDB792-9A9D-ED3C-D7C9-DCFB5F8F7A49}"/>
+          </ac:spMkLst>
+        </pc:spChg>
+        <pc:spChg chg="add mod">
+          <ac:chgData name="Elio Jung" userId="f3e469b5-5381-413c-8cf3-cc8eaa7f60a7" providerId="ADAL" clId="{B9317B36-105D-4008-A95B-466619FEB76C}" dt="2022-06-20T03:04:14.118" v="789" actId="1076"/>
+          <ac:spMkLst>
+            <pc:docMk/>
+            <pc:sldMk cId="3768004868" sldId="316"/>
+            <ac:spMk id="7" creationId="{76CDD955-F1C4-5192-C892-AFA29A12458C}"/>
+          </ac:spMkLst>
+        </pc:spChg>
+        <pc:spChg chg="add mod">
+          <ac:chgData name="Elio Jung" userId="f3e469b5-5381-413c-8cf3-cc8eaa7f60a7" providerId="ADAL" clId="{B9317B36-105D-4008-A95B-466619FEB76C}" dt="2022-06-20T04:11:58.824" v="1255"/>
+          <ac:spMkLst>
+            <pc:docMk/>
+            <pc:sldMk cId="3768004868" sldId="316"/>
+            <ac:spMk id="8" creationId="{F6391012-2CE1-FC04-CDA2-DD1211B08CA4}"/>
+          </ac:spMkLst>
+        </pc:spChg>
+      </pc:sldChg>
+      <pc:sldChg chg="modSp add mod">
+        <pc:chgData name="Elio Jung" userId="f3e469b5-5381-413c-8cf3-cc8eaa7f60a7" providerId="ADAL" clId="{B9317B36-105D-4008-A95B-466619FEB76C}" dt="2022-06-20T03:10:46.388" v="992"/>
+        <pc:sldMkLst>
+          <pc:docMk/>
+          <pc:sldMk cId="3407984962" sldId="317"/>
+        </pc:sldMkLst>
+        <pc:spChg chg="mod">
+          <ac:chgData name="Elio Jung" userId="f3e469b5-5381-413c-8cf3-cc8eaa7f60a7" providerId="ADAL" clId="{B9317B36-105D-4008-A95B-466619FEB76C}" dt="2022-06-20T03:10:46.388" v="992"/>
+          <ac:spMkLst>
+            <pc:docMk/>
+            <pc:sldMk cId="3407984962" sldId="317"/>
+            <ac:spMk id="2" creationId="{EAD95F4D-8E84-4F98-7B3C-DE985B511B31}"/>
+          </ac:spMkLst>
+        </pc:spChg>
+      </pc:sldChg>
+    </pc:docChg>
+  </pc:docChgLst>
 </pc:chgInfo>
+</file>
+
+<file path=ppt/ink/ink1.xml><?xml version="1.0" encoding="utf-8"?>
+<inkml:ink xmlns:inkml="http://www.w3.org/2003/InkML">
+  <inkml:definitions>
+    <inkml:context xml:id="ctx0">
+      <inkml:inkSource xml:id="inkSrc0">
+        <inkml:traceFormat>
+          <inkml:channel name="X" type="integer" min="-2.14748E9" max="2.14748E9" units="cm"/>
+          <inkml:channel name="Y" type="integer" min="-2.14748E9" max="2.14748E9" units="cm"/>
+        </inkml:traceFormat>
+        <inkml:channelProperties>
+          <inkml:channelProperty channel="X" name="resolution" value="1000" units="1/cm"/>
+          <inkml:channelProperty channel="Y" name="resolution" value="1000" units="1/cm"/>
+        </inkml:channelProperties>
+      </inkml:inkSource>
+      <inkml:timestamp xml:id="ts0" timeString="2022-06-20T05:29:46.257"/>
+    </inkml:context>
+    <inkml:brush xml:id="br0">
+      <inkml:brushProperty name="width" value="0.3" units="cm"/>
+      <inkml:brushProperty name="height" value="0.6" units="cm"/>
+      <inkml:brushProperty name="color" value="#FFFC00"/>
+      <inkml:brushProperty name="tip" value="rectangle"/>
+      <inkml:brushProperty name="rasterOp" value="maskPen"/>
+      <inkml:brushProperty name="ignorePressure" value="1"/>
+    </inkml:brush>
+  </inkml:definitions>
+  <inkml:trace contextRef="#ctx0" brushRef="#br0">2 3,'0'0,"0"0,0 0,0 0,0 0,-1 1,1-1,0 0,0 0,0 0,0 1,0-1,0 0,0 0,0 0,0 1,0-1,0 0,0 0,-1 1,2-1,-1 0,0 0,0 0,0 1,0-1,0 0,0 0,0 1,0-1,0 0,0 0,0 0,0 1,1-1,-1 0,0 0,0 0,0 0,0 1,1-1,-1 0,0 0,0 0,0 0,0 0,1 0,-1 0,1 1,18 5,21-1,140-15,-14-1,2287 9,-1183 5,-949 15,-171-10,-52-6,-35 3</inkml:trace>
+</inkml:ink>
+</file>
+
+<file path=ppt/ink/ink2.xml><?xml version="1.0" encoding="utf-8"?>
+<inkml:ink xmlns:inkml="http://www.w3.org/2003/InkML">
+  <inkml:definitions>
+    <inkml:context xml:id="ctx0">
+      <inkml:inkSource xml:id="inkSrc0">
+        <inkml:traceFormat>
+          <inkml:channel name="X" type="integer" min="-2.14748E9" max="2.14748E9" units="cm"/>
+          <inkml:channel name="Y" type="integer" min="-2.14748E9" max="2.14748E9" units="cm"/>
+          <inkml:channel name="F" type="integer" max="32767" units="dev"/>
+        </inkml:traceFormat>
+        <inkml:channelProperties>
+          <inkml:channelProperty channel="X" name="resolution" value="1000" units="1/cm"/>
+          <inkml:channelProperty channel="Y" name="resolution" value="1000" units="1/cm"/>
+          <inkml:channelProperty channel="F" name="resolution" value="0" units="1/dev"/>
+        </inkml:channelProperties>
+      </inkml:inkSource>
+      <inkml:timestamp xml:id="ts0" timeString="2022-06-20T05:36:19.132"/>
+    </inkml:context>
+    <inkml:brush xml:id="br0">
+      <inkml:brushProperty name="width" value="0.05" units="cm"/>
+      <inkml:brushProperty name="height" value="0.05" units="cm"/>
+      <inkml:brushProperty name="color" value="#E71224"/>
+    </inkml:brush>
+  </inkml:definitions>
+  <inkml:trace contextRef="#ctx0" brushRef="#br0">284 0 24575,'-8'5'0,"-1"0"0,1 1 0,0 0 0,1 1 0,0-1 0,0 2 0,0-1 0,-10 16 0,-41 71 0,52-83 0,-13 22 0,1 1 0,2 1 0,2 0 0,1 1 0,1 0 0,3 1 0,-7 45 0,-5 440 0,20-457 0,-1-33 0,2 0 0,1 0 0,1 0 0,2 0 0,11 45 0,23 73 0,-24-92 0,-5-31 0,1 0 0,1 0 0,16 25 0,-14-26 0,36 53-1365,-39-62-5461</inkml:trace>
+</inkml:ink>
+</file>
+
+<file path=ppt/ink/ink3.xml><?xml version="1.0" encoding="utf-8"?>
+<inkml:ink xmlns:inkml="http://www.w3.org/2003/InkML">
+  <inkml:definitions>
+    <inkml:context xml:id="ctx0">
+      <inkml:inkSource xml:id="inkSrc0">
+        <inkml:traceFormat>
+          <inkml:channel name="X" type="integer" min="-2.14748E9" max="2.14748E9" units="cm"/>
+          <inkml:channel name="Y" type="integer" min="-2.14748E9" max="2.14748E9" units="cm"/>
+          <inkml:channel name="F" type="integer" max="32767" units="dev"/>
+        </inkml:traceFormat>
+        <inkml:channelProperties>
+          <inkml:channelProperty channel="X" name="resolution" value="1000" units="1/cm"/>
+          <inkml:channelProperty channel="Y" name="resolution" value="1000" units="1/cm"/>
+          <inkml:channelProperty channel="F" name="resolution" value="0" units="1/dev"/>
+        </inkml:channelProperties>
+      </inkml:inkSource>
+      <inkml:timestamp xml:id="ts0" timeString="2022-06-20T05:36:27.644"/>
+    </inkml:context>
+    <inkml:brush xml:id="br0">
+      <inkml:brushProperty name="width" value="0.05" units="cm"/>
+      <inkml:brushProperty name="height" value="0.05" units="cm"/>
+      <inkml:brushProperty name="color" value="#E71224"/>
+    </inkml:brush>
+  </inkml:definitions>
+  <inkml:trace contextRef="#ctx0" brushRef="#br0">1 0 24575,'5'1'0,"1"-1"0,-1 1 0,0 1 0,1-1 0,-1 1 0,0 0 0,0 0 0,0 0 0,-1 1 0,1-1 0,0 1 0,-1 1 0,0-1 0,0 0 0,0 1 0,0 0 0,0 0 0,-1 0 0,0 0 0,4 6 0,7 13 0,-1 0 0,20 46 0,-21-41 0,115 265 0,-116-260 0,-1 0 0,-2 1 0,-1 0 0,-2 0 0,2 49 0,-4-37 0,3 0 0,13 55 0,-10-63 0,-2 1 0,-1-1 0,0 48 0,-8 121 0,-1-72 0,1-92 0,-1-1 0,-3 1 0,-1-1 0,-2-1 0,-2 1 0,-2-2 0,-1 0 0,-2 0 0,-28 49 0,-24 63 0,35-70 0,6-18-1365,18-46-5461</inkml:trace>
+</inkml:ink>
 </file>
 
 <file path=ppt/notesMasters/notesMaster1.xml><?xml version="1.0" encoding="utf-8"?>
@@ -1499,7 +1833,7 @@
             <a:fld id="{3CC3D4D3-FD6E-4769-B2DA-4476AEC392CC}" type="slidenum">
               <a:rPr lang="en-US" altLang="ko-KR" smtClean="0"/>
               <a:pPr/>
-              <a:t>15</a:t>
+              <a:t>19</a:t>
             </a:fld>
             <a:endParaRPr lang="en-US" altLang="ko-KR"/>
           </a:p>
@@ -3997,31 +4331,41 @@
           </a:p>
         </p:txBody>
       </p:sp>
-      <p:sp>
-        <p:nvSpPr>
-          <p:cNvPr id="3" name="내용 개체 틀 2">
+      <p:pic>
+        <p:nvPicPr>
+          <p:cNvPr id="7" name="내용 개체 틀 6" descr="텍스트, 화면, 스크린샷, 어두운이(가) 표시된 사진&#10;&#10;자동 생성된 설명">
             <a:extLst>
               <a:ext uri="{FF2B5EF4-FFF2-40B4-BE49-F238E27FC236}">
-                <a16:creationId xmlns:a16="http://schemas.microsoft.com/office/drawing/2014/main" id="{7910D7A0-3CB2-46BF-C0CB-FD4CCA963E14}"/>
+                <a16:creationId xmlns:a16="http://schemas.microsoft.com/office/drawing/2014/main" id="{488F7D5C-6400-9472-300B-17D26F2850A0}"/>
               </a:ext>
             </a:extLst>
           </p:cNvPr>
-          <p:cNvSpPr>
-            <a:spLocks noGrp="1"/>
-          </p:cNvSpPr>
+          <p:cNvPicPr>
+            <a:picLocks noGrp="1" noChangeAspect="1"/>
+          </p:cNvPicPr>
           <p:nvPr>
             <p:ph idx="1"/>
           </p:nvPr>
-        </p:nvSpPr>
-        <p:spPr/>
-        <p:txBody>
-          <a:bodyPr/>
-          <a:lstStyle/>
-          <a:p>
-            <a:endParaRPr lang="ko-KR" altLang="en-US"/>
-          </a:p>
-        </p:txBody>
-      </p:sp>
+        </p:nvPicPr>
+        <p:blipFill>
+          <a:blip r:embed="rId2">
+            <a:extLst>
+              <a:ext uri="{28A0092B-C50C-407E-A947-70E740481C1C}">
+                <a14:useLocalDpi xmlns:a14="http://schemas.microsoft.com/office/drawing/2010/main" val="0"/>
+              </a:ext>
+            </a:extLst>
+          </a:blip>
+          <a:stretch>
+            <a:fillRect/>
+          </a:stretch>
+        </p:blipFill>
+        <p:spPr>
+          <a:xfrm>
+            <a:off x="495300" y="1547468"/>
+            <a:ext cx="8915400" cy="3763064"/>
+          </a:xfrm>
+        </p:spPr>
+      </p:pic>
     </p:spTree>
     <p:extLst>
       <p:ext uri="{BB962C8B-B14F-4D97-AF65-F5344CB8AC3E}">
@@ -4076,7 +4420,23 @@
           <a:p>
             <a:r>
               <a:rPr lang="ko-KR" altLang="en-US" sz="3000" dirty="0"/>
-              <a:t>분석</a:t>
+              <a:t>분석 </a:t>
+            </a:r>
+            <a:r>
+              <a:rPr lang="en-US" altLang="ko-KR" sz="3000" dirty="0"/>
+              <a:t>- Type Alias</a:t>
+            </a:r>
+            <a:r>
+              <a:rPr lang="ko-KR" altLang="en-US" sz="3000" dirty="0"/>
+              <a:t>와 </a:t>
+            </a:r>
+            <a:r>
+              <a:rPr lang="en-US" altLang="ko-KR" sz="3000" dirty="0"/>
+              <a:t>Interface</a:t>
+            </a:r>
+            <a:r>
+              <a:rPr lang="ko-KR" altLang="en-US" sz="3000" dirty="0"/>
+              <a:t>의 차이</a:t>
             </a:r>
           </a:p>
         </p:txBody>
@@ -4102,7 +4462,18 @@
           <a:bodyPr/>
           <a:lstStyle/>
           <a:p>
-            <a:endParaRPr lang="ko-KR" altLang="en-US"/>
+            <a:pPr marL="233362" indent="0">
+              <a:buNone/>
+            </a:pPr>
+            <a:r>
+              <a:rPr lang="en-US" altLang="ko-KR" dirty="0"/>
+              <a:t>VSC</a:t>
+            </a:r>
+            <a:r>
+              <a:rPr lang="ko-KR" altLang="en-US" dirty="0"/>
+              <a:t>로 시연</a:t>
+            </a:r>
+            <a:endParaRPr lang="en-US" altLang="ko-KR" dirty="0"/>
           </a:p>
         </p:txBody>
       </p:sp>
@@ -4160,7 +4531,23 @@
           <a:p>
             <a:r>
               <a:rPr lang="ko-KR" altLang="en-US" sz="3000" dirty="0"/>
-              <a:t>개선점</a:t>
+              <a:t>분석 </a:t>
+            </a:r>
+            <a:r>
+              <a:rPr lang="en-US" altLang="ko-KR" sz="3000" dirty="0"/>
+              <a:t>– Type Alias</a:t>
+            </a:r>
+            <a:r>
+              <a:rPr lang="ko-KR" altLang="en-US" sz="3000" dirty="0"/>
+              <a:t>와 </a:t>
+            </a:r>
+            <a:r>
+              <a:rPr lang="en-US" altLang="ko-KR" sz="3000" dirty="0"/>
+              <a:t>Interface</a:t>
+            </a:r>
+            <a:r>
+              <a:rPr lang="ko-KR" altLang="en-US" sz="3000" dirty="0"/>
+              <a:t>의 차이</a:t>
             </a:r>
           </a:p>
         </p:txBody>
@@ -4186,14 +4573,140 @@
           <a:bodyPr/>
           <a:lstStyle/>
           <a:p>
-            <a:endParaRPr lang="ko-KR" altLang="en-US"/>
+            <a:pPr>
+              <a:buFont typeface="Arial" panose="020B0604020202020204" pitchFamily="34" charset="0"/>
+              <a:buChar char="•"/>
+            </a:pPr>
+            <a:r>
+              <a:rPr lang="en-US" altLang="ko-KR" dirty="0">
+                <a:solidFill>
+                  <a:schemeClr val="tx1"/>
+                </a:solidFill>
+              </a:rPr>
+              <a:t>Type Alias</a:t>
+            </a:r>
+          </a:p>
+          <a:p>
+            <a:pPr marL="233362" indent="0">
+              <a:buNone/>
+            </a:pPr>
+            <a:r>
+              <a:rPr lang="en-US" altLang="ko-KR" dirty="0">
+                <a:solidFill>
+                  <a:schemeClr val="tx1"/>
+                </a:solidFill>
+              </a:rPr>
+              <a:t>Type</a:t>
+            </a:r>
+            <a:r>
+              <a:rPr lang="ko-KR" altLang="en-US" dirty="0">
+                <a:solidFill>
+                  <a:schemeClr val="tx1"/>
+                </a:solidFill>
+              </a:rPr>
+              <a:t>을 정의하고 제한하는 목적일 때 적합</a:t>
+            </a:r>
+            <a:endParaRPr lang="en-US" altLang="ko-KR" dirty="0">
+              <a:solidFill>
+                <a:schemeClr val="tx1"/>
+              </a:solidFill>
+            </a:endParaRPr>
+          </a:p>
+          <a:p>
+            <a:pPr marL="233362" indent="0">
+              <a:buNone/>
+            </a:pPr>
+            <a:r>
+              <a:rPr lang="ko-KR" altLang="en-US" dirty="0">
+                <a:solidFill>
+                  <a:schemeClr val="tx1"/>
+                </a:solidFill>
+              </a:rPr>
+              <a:t>상속이나 확장이 불필요하고 단순 원시 값으로 사용되는 경우</a:t>
+            </a:r>
+            <a:endParaRPr lang="en-US" altLang="ko-KR" dirty="0">
+              <a:solidFill>
+                <a:schemeClr val="tx1"/>
+              </a:solidFill>
+            </a:endParaRPr>
+          </a:p>
+          <a:p>
+            <a:endParaRPr lang="en-US" altLang="ko-KR" dirty="0">
+              <a:solidFill>
+                <a:schemeClr val="tx1"/>
+              </a:solidFill>
+            </a:endParaRPr>
+          </a:p>
+          <a:p>
+            <a:pPr>
+              <a:buFont typeface="Arial" panose="020B0604020202020204" pitchFamily="34" charset="0"/>
+              <a:buChar char="•"/>
+            </a:pPr>
+            <a:r>
+              <a:rPr lang="en-US" altLang="ko-KR" dirty="0">
+                <a:solidFill>
+                  <a:schemeClr val="tx1"/>
+                </a:solidFill>
+              </a:rPr>
+              <a:t>Interface</a:t>
+            </a:r>
+          </a:p>
+          <a:p>
+            <a:pPr marL="233362" indent="0">
+              <a:buNone/>
+            </a:pPr>
+            <a:r>
+              <a:rPr lang="ko-KR" altLang="en-US" dirty="0">
+                <a:solidFill>
+                  <a:schemeClr val="tx1"/>
+                </a:solidFill>
+              </a:rPr>
+              <a:t>객체지향프로그래밍의 객체를 구현하는 경우</a:t>
+            </a:r>
+            <a:r>
+              <a:rPr lang="en-US" altLang="ko-KR" dirty="0">
+                <a:solidFill>
+                  <a:schemeClr val="tx1"/>
+                </a:solidFill>
+              </a:rPr>
+              <a:t>(</a:t>
+            </a:r>
+            <a:r>
+              <a:rPr lang="ko-KR" altLang="en-US" dirty="0" err="1">
+                <a:solidFill>
+                  <a:schemeClr val="tx1"/>
+                </a:solidFill>
+              </a:rPr>
+              <a:t>오비고의</a:t>
+            </a:r>
+            <a:r>
+              <a:rPr lang="ko-KR" altLang="en-US" dirty="0">
+                <a:solidFill>
+                  <a:schemeClr val="tx1"/>
+                </a:solidFill>
+              </a:rPr>
+              <a:t> 경우</a:t>
+            </a:r>
+            <a:r>
+              <a:rPr lang="en-US" altLang="ko-KR" dirty="0">
+                <a:solidFill>
+                  <a:schemeClr val="tx1"/>
+                </a:solidFill>
+              </a:rPr>
+              <a:t>)</a:t>
+            </a:r>
+            <a:endParaRPr lang="ko-KR" altLang="en-US" dirty="0">
+              <a:solidFill>
+                <a:schemeClr val="tx1"/>
+              </a:solidFill>
+            </a:endParaRPr>
           </a:p>
         </p:txBody>
       </p:sp>
     </p:spTree>
     <p:extLst>
       <p:ext uri="{BB962C8B-B14F-4D97-AF65-F5344CB8AC3E}">
-        <p14:creationId xmlns:p14="http://schemas.microsoft.com/office/powerpoint/2010/main" val="1644299050"/>
+        <p14:creationId xmlns:p14="http://schemas.microsoft.com/office/powerpoint/2010/main" val="3759127619"/>
       </p:ext>
     </p:extLst>
   </p:cSld>
@@ -4205,6 +4718,1400 @@
 </file>
 
 <file path=ppt/slides/slide14.xml><?xml version="1.0" encoding="utf-8"?>
+<p:sld xmlns:a="http://schemas.openxmlformats.org/drawingml/2006/main" xmlns:r="http://schemas.openxmlformats.org/officeDocument/2006/relationships" xmlns:p="http://schemas.openxmlformats.org/presentationml/2006/main">
+  <p:cSld>
+    <p:spTree>
+      <p:nvGrpSpPr>
+        <p:cNvPr id="1" name=""/>
+        <p:cNvGrpSpPr/>
+        <p:nvPr/>
+      </p:nvGrpSpPr>
+      <p:grpSpPr>
+        <a:xfrm>
+          <a:off x="0" y="0"/>
+          <a:ext cx="0" cy="0"/>
+          <a:chOff x="0" y="0"/>
+          <a:chExt cx="0" cy="0"/>
+        </a:xfrm>
+      </p:grpSpPr>
+      <p:sp>
+        <p:nvSpPr>
+          <p:cNvPr id="2" name="제목 1">
+            <a:extLst>
+              <a:ext uri="{FF2B5EF4-FFF2-40B4-BE49-F238E27FC236}">
+                <a16:creationId xmlns:a16="http://schemas.microsoft.com/office/drawing/2014/main" id="{EAD95F4D-8E84-4F98-7B3C-DE985B511B31}"/>
+              </a:ext>
+            </a:extLst>
+          </p:cNvPr>
+          <p:cNvSpPr>
+            <a:spLocks noGrp="1"/>
+          </p:cNvSpPr>
+          <p:nvPr>
+            <p:ph type="title"/>
+          </p:nvPr>
+        </p:nvSpPr>
+        <p:spPr/>
+        <p:txBody>
+          <a:bodyPr/>
+          <a:lstStyle/>
+          <a:p>
+            <a:r>
+              <a:rPr lang="ko-KR" altLang="en-US" sz="3000" dirty="0"/>
+              <a:t>분석 </a:t>
+            </a:r>
+            <a:r>
+              <a:rPr lang="en-US" altLang="ko-KR" sz="3000" dirty="0"/>
+              <a:t>– Type Alias</a:t>
+            </a:r>
+            <a:r>
+              <a:rPr lang="ko-KR" altLang="en-US" sz="3000" dirty="0"/>
+              <a:t>와 </a:t>
+            </a:r>
+            <a:r>
+              <a:rPr lang="en-US" altLang="ko-KR" sz="3000" dirty="0"/>
+              <a:t>Interface</a:t>
+            </a:r>
+            <a:r>
+              <a:rPr lang="ko-KR" altLang="en-US" sz="3000" dirty="0"/>
+              <a:t>의 차이</a:t>
+            </a:r>
+          </a:p>
+        </p:txBody>
+      </p:sp>
+      <p:pic>
+        <p:nvPicPr>
+          <p:cNvPr id="7" name="내용 개체 틀 6" descr="텍스트이(가) 표시된 사진&#10;&#10;자동 생성된 설명">
+            <a:extLst>
+              <a:ext uri="{FF2B5EF4-FFF2-40B4-BE49-F238E27FC236}">
+                <a16:creationId xmlns:a16="http://schemas.microsoft.com/office/drawing/2014/main" id="{34A6345E-92AF-F07F-8DFF-5CDC89B6A926}"/>
+              </a:ext>
+            </a:extLst>
+          </p:cNvPr>
+          <p:cNvPicPr>
+            <a:picLocks noGrp="1" noChangeAspect="1"/>
+          </p:cNvPicPr>
+          <p:nvPr>
+            <p:ph idx="1"/>
+          </p:nvPr>
+        </p:nvPicPr>
+        <p:blipFill>
+          <a:blip r:embed="rId2">
+            <a:extLst>
+              <a:ext uri="{28A0092B-C50C-407E-A947-70E740481C1C}">
+                <a14:useLocalDpi xmlns:a14="http://schemas.microsoft.com/office/drawing/2010/main" val="0"/>
+              </a:ext>
+            </a:extLst>
+          </a:blip>
+          <a:stretch>
+            <a:fillRect/>
+          </a:stretch>
+        </p:blipFill>
+        <p:spPr>
+          <a:xfrm>
+            <a:off x="1335292" y="1000919"/>
+            <a:ext cx="7235416" cy="4856163"/>
+          </a:xfrm>
+        </p:spPr>
+      </p:pic>
+    </p:spTree>
+    <p:extLst>
+      <p:ext uri="{BB962C8B-B14F-4D97-AF65-F5344CB8AC3E}">
+        <p14:creationId xmlns:p14="http://schemas.microsoft.com/office/powerpoint/2010/main" val="3961234830"/>
+      </p:ext>
+    </p:extLst>
+  </p:cSld>
+  <p:clrMapOvr>
+    <a:masterClrMapping/>
+  </p:clrMapOvr>
+  <p:transition/>
+</p:sld>
+</file>
+
+<file path=ppt/slides/slide15.xml><?xml version="1.0" encoding="utf-8"?>
+<p:sld xmlns:a="http://schemas.openxmlformats.org/drawingml/2006/main" xmlns:r="http://schemas.openxmlformats.org/officeDocument/2006/relationships" xmlns:p="http://schemas.openxmlformats.org/presentationml/2006/main">
+  <p:cSld>
+    <p:spTree>
+      <p:nvGrpSpPr>
+        <p:cNvPr id="1" name=""/>
+        <p:cNvGrpSpPr/>
+        <p:nvPr/>
+      </p:nvGrpSpPr>
+      <p:grpSpPr>
+        <a:xfrm>
+          <a:off x="0" y="0"/>
+          <a:ext cx="0" cy="0"/>
+          <a:chOff x="0" y="0"/>
+          <a:chExt cx="0" cy="0"/>
+        </a:xfrm>
+      </p:grpSpPr>
+      <p:sp>
+        <p:nvSpPr>
+          <p:cNvPr id="2" name="제목 1">
+            <a:extLst>
+              <a:ext uri="{FF2B5EF4-FFF2-40B4-BE49-F238E27FC236}">
+                <a16:creationId xmlns:a16="http://schemas.microsoft.com/office/drawing/2014/main" id="{EAD95F4D-8E84-4F98-7B3C-DE985B511B31}"/>
+              </a:ext>
+            </a:extLst>
+          </p:cNvPr>
+          <p:cNvSpPr>
+            <a:spLocks noGrp="1"/>
+          </p:cNvSpPr>
+          <p:nvPr>
+            <p:ph type="title"/>
+          </p:nvPr>
+        </p:nvSpPr>
+        <p:spPr/>
+        <p:txBody>
+          <a:bodyPr/>
+          <a:lstStyle/>
+          <a:p>
+            <a:r>
+              <a:rPr lang="ko-KR" altLang="en-US" sz="3000" dirty="0"/>
+              <a:t>분석 </a:t>
+            </a:r>
+            <a:r>
+              <a:rPr lang="en-US" altLang="ko-KR" sz="3000" dirty="0"/>
+              <a:t>– any</a:t>
+            </a:r>
+            <a:r>
+              <a:rPr lang="ko-KR" altLang="en-US" sz="3000" dirty="0"/>
+              <a:t>의 사용</a:t>
+            </a:r>
+          </a:p>
+        </p:txBody>
+      </p:sp>
+      <p:pic>
+        <p:nvPicPr>
+          <p:cNvPr id="6" name="내용 개체 틀 6" descr="텍스트, 화면, 스크린샷, 어두운이(가) 표시된 사진&#10;&#10;자동 생성된 설명">
+            <a:extLst>
+              <a:ext uri="{FF2B5EF4-FFF2-40B4-BE49-F238E27FC236}">
+                <a16:creationId xmlns:a16="http://schemas.microsoft.com/office/drawing/2014/main" id="{D67BB8C6-0F4A-22C2-31B7-DE8E6DA5BF0C}"/>
+              </a:ext>
+            </a:extLst>
+          </p:cNvPr>
+          <p:cNvPicPr>
+            <a:picLocks noChangeAspect="1"/>
+          </p:cNvPicPr>
+          <p:nvPr/>
+        </p:nvPicPr>
+        <p:blipFill>
+          <a:blip r:embed="rId2">
+            <a:extLst>
+              <a:ext uri="{28A0092B-C50C-407E-A947-70E740481C1C}">
+                <a14:useLocalDpi xmlns:a14="http://schemas.microsoft.com/office/drawing/2010/main" val="0"/>
+              </a:ext>
+            </a:extLst>
+          </a:blip>
+          <a:stretch>
+            <a:fillRect/>
+          </a:stretch>
+        </p:blipFill>
+        <p:spPr>
+          <a:xfrm>
+            <a:off x="495300" y="1547468"/>
+            <a:ext cx="8915400" cy="3763064"/>
+          </a:xfrm>
+          <a:prstGeom prst="rect">
+            <a:avLst/>
+          </a:prstGeom>
+        </p:spPr>
+      </p:pic>
+      <mc:AlternateContent xmlns:mc="http://schemas.openxmlformats.org/markup-compatibility/2006">
+        <mc:Choice xmlns:p14="http://schemas.microsoft.com/office/powerpoint/2010/main" Requires="p14">
+          <p:contentPart p14:bwMode="auto" r:id="rId3">
+            <p14:nvContentPartPr>
+              <p14:cNvPr id="8" name="잉크 7">
+                <a:extLst>
+                  <a:ext uri="{FF2B5EF4-FFF2-40B4-BE49-F238E27FC236}">
+                    <a16:creationId xmlns:a16="http://schemas.microsoft.com/office/drawing/2014/main" id="{9DBBC212-C97E-E43F-51EB-73AC3D6A79AC}"/>
+                  </a:ext>
+                </a:extLst>
+              </p14:cNvPr>
+              <p14:cNvContentPartPr/>
+              <p14:nvPr/>
+            </p14:nvContentPartPr>
+            <p14:xfrm>
+              <a:off x="1517585" y="3924776"/>
+              <a:ext cx="1715760" cy="13320"/>
+            </p14:xfrm>
+          </p:contentPart>
+        </mc:Choice>
+        <mc:Fallback>
+          <p:pic>
+            <p:nvPicPr>
+              <p:cNvPr id="8" name="잉크 7">
+                <a:extLst>
+                  <a:ext uri="{FF2B5EF4-FFF2-40B4-BE49-F238E27FC236}">
+                    <a16:creationId xmlns:a16="http://schemas.microsoft.com/office/drawing/2014/main" id="{9DBBC212-C97E-E43F-51EB-73AC3D6A79AC}"/>
+                  </a:ext>
+                </a:extLst>
+              </p:cNvPr>
+              <p:cNvPicPr/>
+              <p:nvPr/>
+            </p:nvPicPr>
+            <p:blipFill>
+              <a:blip r:embed="rId4"/>
+              <a:stretch>
+                <a:fillRect/>
+              </a:stretch>
+            </p:blipFill>
+            <p:spPr>
+              <a:xfrm>
+                <a:off x="1463585" y="3816776"/>
+                <a:ext cx="1823400" cy="228960"/>
+              </a:xfrm>
+              <a:prstGeom prst="rect">
+                <a:avLst/>
+              </a:prstGeom>
+            </p:spPr>
+          </p:pic>
+        </mc:Fallback>
+      </mc:AlternateContent>
+    </p:spTree>
+    <p:extLst>
+      <p:ext uri="{BB962C8B-B14F-4D97-AF65-F5344CB8AC3E}">
+        <p14:creationId xmlns:p14="http://schemas.microsoft.com/office/powerpoint/2010/main" val="1206532809"/>
+      </p:ext>
+    </p:extLst>
+  </p:cSld>
+  <p:clrMapOvr>
+    <a:masterClrMapping/>
+  </p:clrMapOvr>
+  <p:transition/>
+</p:sld>
+</file>
+
+<file path=ppt/slides/slide16.xml><?xml version="1.0" encoding="utf-8"?>
+<p:sld xmlns:a="http://schemas.openxmlformats.org/drawingml/2006/main" xmlns:r="http://schemas.openxmlformats.org/officeDocument/2006/relationships" xmlns:p="http://schemas.openxmlformats.org/presentationml/2006/main">
+  <p:cSld>
+    <p:spTree>
+      <p:nvGrpSpPr>
+        <p:cNvPr id="1" name=""/>
+        <p:cNvGrpSpPr/>
+        <p:nvPr/>
+      </p:nvGrpSpPr>
+      <p:grpSpPr>
+        <a:xfrm>
+          <a:off x="0" y="0"/>
+          <a:ext cx="0" cy="0"/>
+          <a:chOff x="0" y="0"/>
+          <a:chExt cx="0" cy="0"/>
+        </a:xfrm>
+      </p:grpSpPr>
+      <p:sp>
+        <p:nvSpPr>
+          <p:cNvPr id="2" name="제목 1">
+            <a:extLst>
+              <a:ext uri="{FF2B5EF4-FFF2-40B4-BE49-F238E27FC236}">
+                <a16:creationId xmlns:a16="http://schemas.microsoft.com/office/drawing/2014/main" id="{EAD95F4D-8E84-4F98-7B3C-DE985B511B31}"/>
+              </a:ext>
+            </a:extLst>
+          </p:cNvPr>
+          <p:cNvSpPr>
+            <a:spLocks noGrp="1"/>
+          </p:cNvSpPr>
+          <p:nvPr>
+            <p:ph type="title"/>
+          </p:nvPr>
+        </p:nvSpPr>
+        <p:spPr/>
+        <p:txBody>
+          <a:bodyPr/>
+          <a:lstStyle/>
+          <a:p>
+            <a:r>
+              <a:rPr lang="ko-KR" altLang="en-US" sz="3000" dirty="0"/>
+              <a:t>분석 </a:t>
+            </a:r>
+            <a:r>
+              <a:rPr lang="en-US" altLang="ko-KR" sz="3000" dirty="0"/>
+              <a:t>– any</a:t>
+            </a:r>
+            <a:r>
+              <a:rPr lang="ko-KR" altLang="en-US" sz="3000" dirty="0"/>
+              <a:t>의 사용</a:t>
+            </a:r>
+          </a:p>
+        </p:txBody>
+      </p:sp>
+      <p:pic>
+        <p:nvPicPr>
+          <p:cNvPr id="4" name="그림 3" descr="텍스트, 화면, 스크린샷이(가) 표시된 사진&#10;&#10;자동 생성된 설명">
+            <a:extLst>
+              <a:ext uri="{FF2B5EF4-FFF2-40B4-BE49-F238E27FC236}">
+                <a16:creationId xmlns:a16="http://schemas.microsoft.com/office/drawing/2014/main" id="{0E0FE0EC-D1B0-5A0C-1BFC-A31627E1273C}"/>
+              </a:ext>
+            </a:extLst>
+          </p:cNvPr>
+          <p:cNvPicPr>
+            <a:picLocks noChangeAspect="1"/>
+          </p:cNvPicPr>
+          <p:nvPr/>
+        </p:nvPicPr>
+        <p:blipFill>
+          <a:blip r:embed="rId2">
+            <a:extLst>
+              <a:ext uri="{28A0092B-C50C-407E-A947-70E740481C1C}">
+                <a14:useLocalDpi xmlns:a14="http://schemas.microsoft.com/office/drawing/2010/main" val="0"/>
+              </a:ext>
+            </a:extLst>
+          </a:blip>
+          <a:stretch>
+            <a:fillRect/>
+          </a:stretch>
+        </p:blipFill>
+        <p:spPr>
+          <a:xfrm>
+            <a:off x="0" y="1678737"/>
+            <a:ext cx="9906000" cy="3500525"/>
+          </a:xfrm>
+          <a:prstGeom prst="rect">
+            <a:avLst/>
+          </a:prstGeom>
+        </p:spPr>
+      </p:pic>
+      <mc:AlternateContent xmlns:mc="http://schemas.openxmlformats.org/markup-compatibility/2006">
+        <mc:Choice xmlns:p14="http://schemas.microsoft.com/office/powerpoint/2010/main" Requires="p14">
+          <p:contentPart p14:bwMode="auto" r:id="rId3">
+            <p14:nvContentPartPr>
+              <p14:cNvPr id="9" name="잉크 8">
+                <a:extLst>
+                  <a:ext uri="{FF2B5EF4-FFF2-40B4-BE49-F238E27FC236}">
+                    <a16:creationId xmlns:a16="http://schemas.microsoft.com/office/drawing/2014/main" id="{73656D95-87BD-2881-68C0-5CFE0FD0C2F7}"/>
+                  </a:ext>
+                </a:extLst>
+              </p14:cNvPr>
+              <p14:cNvContentPartPr/>
+              <p14:nvPr/>
+            </p14:nvContentPartPr>
+            <p14:xfrm>
+              <a:off x="870665" y="3221336"/>
+              <a:ext cx="102240" cy="645840"/>
+            </p14:xfrm>
+          </p:contentPart>
+        </mc:Choice>
+        <mc:Fallback>
+          <p:pic>
+            <p:nvPicPr>
+              <p:cNvPr id="9" name="잉크 8">
+                <a:extLst>
+                  <a:ext uri="{FF2B5EF4-FFF2-40B4-BE49-F238E27FC236}">
+                    <a16:creationId xmlns:a16="http://schemas.microsoft.com/office/drawing/2014/main" id="{73656D95-87BD-2881-68C0-5CFE0FD0C2F7}"/>
+                  </a:ext>
+                </a:extLst>
+              </p:cNvPr>
+              <p:cNvPicPr/>
+              <p:nvPr/>
+            </p:nvPicPr>
+            <p:blipFill>
+              <a:blip r:embed="rId4"/>
+              <a:stretch>
+                <a:fillRect/>
+              </a:stretch>
+            </p:blipFill>
+            <p:spPr>
+              <a:xfrm>
+                <a:off x="862025" y="3212336"/>
+                <a:ext cx="119880" cy="663480"/>
+              </a:xfrm>
+              <a:prstGeom prst="rect">
+                <a:avLst/>
+              </a:prstGeom>
+            </p:spPr>
+          </p:pic>
+        </mc:Fallback>
+      </mc:AlternateContent>
+      <mc:AlternateContent xmlns:mc="http://schemas.openxmlformats.org/markup-compatibility/2006">
+        <mc:Choice xmlns:p14="http://schemas.microsoft.com/office/powerpoint/2010/main" Requires="p14">
+          <p:contentPart p14:bwMode="auto" r:id="rId5">
+            <p14:nvContentPartPr>
+              <p14:cNvPr id="11" name="잉크 10">
+                <a:extLst>
+                  <a:ext uri="{FF2B5EF4-FFF2-40B4-BE49-F238E27FC236}">
+                    <a16:creationId xmlns:a16="http://schemas.microsoft.com/office/drawing/2014/main" id="{8AD270D8-F9EB-49A8-FD3D-87BE9B77ECAA}"/>
+                  </a:ext>
+                </a:extLst>
+              </p14:cNvPr>
+              <p14:cNvContentPartPr/>
+              <p14:nvPr/>
+            </p14:nvContentPartPr>
+            <p14:xfrm>
+              <a:off x="4621865" y="3111896"/>
+              <a:ext cx="144720" cy="814680"/>
+            </p14:xfrm>
+          </p:contentPart>
+        </mc:Choice>
+        <mc:Fallback>
+          <p:pic>
+            <p:nvPicPr>
+              <p:cNvPr id="11" name="잉크 10">
+                <a:extLst>
+                  <a:ext uri="{FF2B5EF4-FFF2-40B4-BE49-F238E27FC236}">
+                    <a16:creationId xmlns:a16="http://schemas.microsoft.com/office/drawing/2014/main" id="{8AD270D8-F9EB-49A8-FD3D-87BE9B77ECAA}"/>
+                  </a:ext>
+                </a:extLst>
+              </p:cNvPr>
+              <p:cNvPicPr/>
+              <p:nvPr/>
+            </p:nvPicPr>
+            <p:blipFill>
+              <a:blip r:embed="rId6"/>
+              <a:stretch>
+                <a:fillRect/>
+              </a:stretch>
+            </p:blipFill>
+            <p:spPr>
+              <a:xfrm>
+                <a:off x="4613225" y="3102896"/>
+                <a:ext cx="162360" cy="832320"/>
+              </a:xfrm>
+              <a:prstGeom prst="rect">
+                <a:avLst/>
+              </a:prstGeom>
+            </p:spPr>
+          </p:pic>
+        </mc:Fallback>
+      </mc:AlternateContent>
+    </p:spTree>
+    <p:extLst>
+      <p:ext uri="{BB962C8B-B14F-4D97-AF65-F5344CB8AC3E}">
+        <p14:creationId xmlns:p14="http://schemas.microsoft.com/office/powerpoint/2010/main" val="3615675159"/>
+      </p:ext>
+    </p:extLst>
+  </p:cSld>
+  <p:clrMapOvr>
+    <a:masterClrMapping/>
+  </p:clrMapOvr>
+  <p:transition/>
+</p:sld>
+</file>
+
+<file path=ppt/slides/slide17.xml><?xml version="1.0" encoding="utf-8"?>
+<p:sld xmlns:a="http://schemas.openxmlformats.org/drawingml/2006/main" xmlns:r="http://schemas.openxmlformats.org/officeDocument/2006/relationships" xmlns:p="http://schemas.openxmlformats.org/presentationml/2006/main">
+  <p:cSld>
+    <p:spTree>
+      <p:nvGrpSpPr>
+        <p:cNvPr id="1" name=""/>
+        <p:cNvGrpSpPr/>
+        <p:nvPr/>
+      </p:nvGrpSpPr>
+      <p:grpSpPr>
+        <a:xfrm>
+          <a:off x="0" y="0"/>
+          <a:ext cx="0" cy="0"/>
+          <a:chOff x="0" y="0"/>
+          <a:chExt cx="0" cy="0"/>
+        </a:xfrm>
+      </p:grpSpPr>
+      <p:sp>
+        <p:nvSpPr>
+          <p:cNvPr id="2" name="제목 1">
+            <a:extLst>
+              <a:ext uri="{FF2B5EF4-FFF2-40B4-BE49-F238E27FC236}">
+                <a16:creationId xmlns:a16="http://schemas.microsoft.com/office/drawing/2014/main" id="{EAD95F4D-8E84-4F98-7B3C-DE985B511B31}"/>
+              </a:ext>
+            </a:extLst>
+          </p:cNvPr>
+          <p:cNvSpPr>
+            <a:spLocks noGrp="1"/>
+          </p:cNvSpPr>
+          <p:nvPr>
+            <p:ph type="title"/>
+          </p:nvPr>
+        </p:nvSpPr>
+        <p:spPr/>
+        <p:txBody>
+          <a:bodyPr/>
+          <a:lstStyle/>
+          <a:p>
+            <a:r>
+              <a:rPr lang="ko-KR" altLang="en-US" sz="3000" dirty="0"/>
+              <a:t>분석 </a:t>
+            </a:r>
+            <a:r>
+              <a:rPr lang="en-US" altLang="ko-KR" sz="3000" dirty="0"/>
+              <a:t>– any</a:t>
+            </a:r>
+            <a:r>
+              <a:rPr lang="ko-KR" altLang="en-US" sz="3000" dirty="0"/>
+              <a:t>의 사용</a:t>
+            </a:r>
+          </a:p>
+        </p:txBody>
+      </p:sp>
+      <p:sp>
+        <p:nvSpPr>
+          <p:cNvPr id="7" name="Rectangle 1">
+            <a:extLst>
+              <a:ext uri="{FF2B5EF4-FFF2-40B4-BE49-F238E27FC236}">
+                <a16:creationId xmlns:a16="http://schemas.microsoft.com/office/drawing/2014/main" id="{C935D64A-5132-323E-E294-F1CD3D5EADFE}"/>
+              </a:ext>
+            </a:extLst>
+          </p:cNvPr>
+          <p:cNvSpPr>
+            <a:spLocks noGrp="1" noChangeArrowheads="1"/>
+          </p:cNvSpPr>
+          <p:nvPr>
+            <p:ph idx="1"/>
+          </p:nvPr>
+        </p:nvSpPr>
+        <p:spPr bwMode="auto">
+          <a:xfrm>
+            <a:off x="597722" y="2690337"/>
+            <a:ext cx="8710557" cy="1477328"/>
+          </a:xfrm>
+          <a:prstGeom prst="rect">
+            <a:avLst/>
+          </a:prstGeom>
+          <a:noFill/>
+          <a:ln>
+            <a:noFill/>
+          </a:ln>
+          <a:effectLst/>
+          <a:extLst>
+            <a:ext uri="{909E8E84-426E-40DD-AFC4-6F175D3DCCD1}">
+              <a14:hiddenFill xmlns:a14="http://schemas.microsoft.com/office/drawing/2010/main">
+                <a:solidFill>
+                  <a:schemeClr val="accent1"/>
+                </a:solidFill>
+              </a14:hiddenFill>
+            </a:ext>
+            <a:ext uri="{91240B29-F687-4F45-9708-019B960494DF}">
+              <a14:hiddenLine xmlns:a14="http://schemas.microsoft.com/office/drawing/2010/main" w="9525">
+                <a:solidFill>
+                  <a:schemeClr val="tx1"/>
+                </a:solidFill>
+                <a:miter lim="800000"/>
+                <a:headEnd/>
+                <a:tailEnd/>
+              </a14:hiddenLine>
+            </a:ext>
+            <a:ext uri="{AF507438-7753-43E0-B8FC-AC1667EBCBE1}">
+              <a14:hiddenEffects xmlns:a14="http://schemas.microsoft.com/office/drawing/2010/main">
+                <a:effectLst>
+                  <a:outerShdw dist="35921" dir="2700000" algn="ctr" rotWithShape="0">
+                    <a:schemeClr val="bg2"/>
+                  </a:outerShdw>
+                </a:effectLst>
+              </a14:hiddenEffects>
+            </a:ext>
+          </a:extLst>
+        </p:spPr>
+        <p:txBody>
+          <a:bodyPr vert="horz" wrap="square" lIns="91440" tIns="45720" rIns="91440" bIns="45720" numCol="1" anchor="ctr" anchorCtr="0" compatLnSpc="1">
+            <a:prstTxWarp prst="textNoShape">
+              <a:avLst/>
+            </a:prstTxWarp>
+            <a:spAutoFit/>
+          </a:bodyPr>
+          <a:lstStyle>
+            <a:lvl1pPr algn="l" eaLnBrk="0" hangingPunct="0">
+              <a:defRPr>
+                <a:solidFill>
+                  <a:schemeClr val="tx1"/>
+                </a:solidFill>
+                <a:latin typeface="Arial" panose="020B0604020202020204" pitchFamily="34" charset="0"/>
+              </a:defRPr>
+            </a:lvl1pPr>
+            <a:lvl2pPr marL="457200" algn="l" eaLnBrk="0" hangingPunct="0">
+              <a:defRPr>
+                <a:solidFill>
+                  <a:schemeClr val="tx1"/>
+                </a:solidFill>
+                <a:latin typeface="Arial" panose="020B0604020202020204" pitchFamily="34" charset="0"/>
+              </a:defRPr>
+            </a:lvl2pPr>
+            <a:lvl3pPr marL="914400" algn="l" eaLnBrk="0" hangingPunct="0">
+              <a:defRPr>
+                <a:solidFill>
+                  <a:schemeClr val="tx1"/>
+                </a:solidFill>
+                <a:latin typeface="Arial" panose="020B0604020202020204" pitchFamily="34" charset="0"/>
+              </a:defRPr>
+            </a:lvl3pPr>
+            <a:lvl4pPr marL="1371600" algn="l" eaLnBrk="0" hangingPunct="0">
+              <a:defRPr>
+                <a:solidFill>
+                  <a:schemeClr val="tx1"/>
+                </a:solidFill>
+                <a:latin typeface="Arial" panose="020B0604020202020204" pitchFamily="34" charset="0"/>
+              </a:defRPr>
+            </a:lvl4pPr>
+            <a:lvl5pPr marL="1828800" algn="l" eaLnBrk="0" hangingPunct="0">
+              <a:defRPr>
+                <a:solidFill>
+                  <a:schemeClr val="tx1"/>
+                </a:solidFill>
+                <a:latin typeface="Arial" panose="020B0604020202020204" pitchFamily="34" charset="0"/>
+              </a:defRPr>
+            </a:lvl5pPr>
+            <a:lvl6pPr eaLnBrk="0" fontAlgn="base" hangingPunct="0">
+              <a:spcBef>
+                <a:spcPct val="0"/>
+              </a:spcBef>
+              <a:spcAft>
+                <a:spcPct val="0"/>
+              </a:spcAft>
+              <a:defRPr>
+                <a:solidFill>
+                  <a:schemeClr val="tx1"/>
+                </a:solidFill>
+                <a:latin typeface="Arial" panose="020B0604020202020204" pitchFamily="34" charset="0"/>
+              </a:defRPr>
+            </a:lvl6pPr>
+            <a:lvl7pPr eaLnBrk="0" fontAlgn="base" hangingPunct="0">
+              <a:spcBef>
+                <a:spcPct val="0"/>
+              </a:spcBef>
+              <a:spcAft>
+                <a:spcPct val="0"/>
+              </a:spcAft>
+              <a:defRPr>
+                <a:solidFill>
+                  <a:schemeClr val="tx1"/>
+                </a:solidFill>
+                <a:latin typeface="Arial" panose="020B0604020202020204" pitchFamily="34" charset="0"/>
+              </a:defRPr>
+            </a:lvl7pPr>
+            <a:lvl8pPr eaLnBrk="0" fontAlgn="base" hangingPunct="0">
+              <a:spcBef>
+                <a:spcPct val="0"/>
+              </a:spcBef>
+              <a:spcAft>
+                <a:spcPct val="0"/>
+              </a:spcAft>
+              <a:defRPr>
+                <a:solidFill>
+                  <a:schemeClr val="tx1"/>
+                </a:solidFill>
+                <a:latin typeface="Arial" panose="020B0604020202020204" pitchFamily="34" charset="0"/>
+              </a:defRPr>
+            </a:lvl8pPr>
+            <a:lvl9pPr eaLnBrk="0" fontAlgn="base" hangingPunct="0">
+              <a:spcBef>
+                <a:spcPct val="0"/>
+              </a:spcBef>
+              <a:spcAft>
+                <a:spcPct val="0"/>
+              </a:spcAft>
+              <a:defRPr>
+                <a:solidFill>
+                  <a:schemeClr val="tx1"/>
+                </a:solidFill>
+                <a:latin typeface="Arial" panose="020B0604020202020204" pitchFamily="34" charset="0"/>
+              </a:defRPr>
+            </a:lvl9pPr>
+          </a:lstStyle>
+          <a:p>
+            <a:pPr marL="0" marR="0" lvl="0" indent="0" algn="ctr" defTabSz="914400" rtl="0" eaLnBrk="0" fontAlgn="base" latinLnBrk="0" hangingPunct="0">
+              <a:lnSpc>
+                <a:spcPct val="100000"/>
+              </a:lnSpc>
+              <a:spcBef>
+                <a:spcPct val="0"/>
+              </a:spcBef>
+              <a:spcAft>
+                <a:spcPct val="0"/>
+              </a:spcAft>
+              <a:buClrTx/>
+              <a:buSzTx/>
+              <a:buFontTx/>
+              <a:buNone/>
+              <a:tabLst/>
+            </a:pPr>
+            <a:r>
+              <a:rPr kumimoji="0" lang="ko-KR" altLang="ko-KR" sz="3000" b="0" i="0" u="none" strike="noStrike" cap="none" normalizeH="0" baseline="0" dirty="0">
+                <a:ln>
+                  <a:noFill/>
+                </a:ln>
+                <a:solidFill>
+                  <a:srgbClr val="000000"/>
+                </a:solidFill>
+                <a:effectLst/>
+                <a:ea typeface="Segoe UI Web (West European)"/>
+              </a:rPr>
+              <a:t>The </a:t>
+            </a:r>
+            <a:r>
+              <a:rPr kumimoji="0" lang="en-US" altLang="ko-KR" sz="3000" b="1" i="1" u="none" strike="noStrike" cap="none" normalizeH="0" baseline="0" dirty="0">
+                <a:ln>
+                  <a:noFill/>
+                </a:ln>
+                <a:solidFill>
+                  <a:srgbClr val="000000"/>
+                </a:solidFill>
+                <a:effectLst/>
+                <a:ea typeface="Segoe UI Web (West European)"/>
+              </a:rPr>
+              <a:t>any</a:t>
+            </a:r>
+            <a:r>
+              <a:rPr kumimoji="0" lang="ko-KR" altLang="ko-KR" sz="3000" b="1" i="1" u="none" strike="noStrike" cap="none" normalizeH="0" baseline="0" dirty="0">
+                <a:ln>
+                  <a:noFill/>
+                </a:ln>
+                <a:solidFill>
+                  <a:srgbClr val="000000"/>
+                </a:solidFill>
+                <a:effectLst/>
+                <a:ea typeface="Segoe UI Web (West European)"/>
+              </a:rPr>
+              <a:t> </a:t>
+            </a:r>
+            <a:r>
+              <a:rPr kumimoji="0" lang="ko-KR" altLang="ko-KR" sz="3000" b="1" i="1" u="none" strike="noStrike" cap="none" normalizeH="0" baseline="0" dirty="0" err="1">
+                <a:ln>
+                  <a:noFill/>
+                </a:ln>
+                <a:solidFill>
+                  <a:srgbClr val="000000"/>
+                </a:solidFill>
+                <a:effectLst/>
+                <a:ea typeface="Segoe UI Web (West European)"/>
+              </a:rPr>
+              <a:t>type</a:t>
+            </a:r>
+            <a:r>
+              <a:rPr kumimoji="0" lang="ko-KR" altLang="ko-KR" sz="3000" b="1" i="1" u="none" strike="noStrike" cap="none" normalizeH="0" baseline="0" dirty="0">
+                <a:ln>
+                  <a:noFill/>
+                </a:ln>
+                <a:solidFill>
+                  <a:srgbClr val="000000"/>
+                </a:solidFill>
+                <a:effectLst/>
+                <a:ea typeface="Segoe UI Web (West European)"/>
+              </a:rPr>
+              <a:t> </a:t>
+            </a:r>
+            <a:r>
+              <a:rPr kumimoji="0" lang="ko-KR" altLang="ko-KR" sz="3000" b="0" i="0" u="none" strike="noStrike" cap="none" normalizeH="0" baseline="0" dirty="0" err="1">
+                <a:ln>
+                  <a:noFill/>
+                </a:ln>
+                <a:solidFill>
+                  <a:srgbClr val="000000"/>
+                </a:solidFill>
+                <a:effectLst/>
+                <a:ea typeface="Segoe UI Web (West European)"/>
+              </a:rPr>
+              <a:t>is</a:t>
+            </a:r>
+            <a:r>
+              <a:rPr kumimoji="0" lang="ko-KR" altLang="ko-KR" sz="3000" b="0" i="0" u="none" strike="noStrike" cap="none" normalizeH="0" baseline="0" dirty="0">
+                <a:ln>
+                  <a:noFill/>
+                </a:ln>
+                <a:solidFill>
+                  <a:srgbClr val="000000"/>
+                </a:solidFill>
+                <a:effectLst/>
+                <a:ea typeface="Segoe UI Web (West European)"/>
+              </a:rPr>
+              <a:t> </a:t>
+            </a:r>
+            <a:r>
+              <a:rPr kumimoji="0" lang="ko-KR" altLang="ko-KR" sz="3000" b="0" i="0" u="none" strike="noStrike" cap="none" normalizeH="0" baseline="0" dirty="0" err="1">
+                <a:ln>
+                  <a:noFill/>
+                </a:ln>
+                <a:solidFill>
+                  <a:srgbClr val="000000"/>
+                </a:solidFill>
+                <a:effectLst/>
+                <a:ea typeface="Segoe UI Web (West European)"/>
+              </a:rPr>
+              <a:t>useful</a:t>
+            </a:r>
+            <a:r>
+              <a:rPr kumimoji="0" lang="ko-KR" altLang="ko-KR" sz="3000" b="0" i="0" u="none" strike="noStrike" cap="none" normalizeH="0" baseline="0" dirty="0">
+                <a:ln>
+                  <a:noFill/>
+                </a:ln>
+                <a:solidFill>
+                  <a:srgbClr val="000000"/>
+                </a:solidFill>
+                <a:effectLst/>
+                <a:ea typeface="Segoe UI Web (West European)"/>
+              </a:rPr>
+              <a:t> </a:t>
+            </a:r>
+            <a:r>
+              <a:rPr kumimoji="0" lang="ko-KR" altLang="ko-KR" sz="3000" b="0" i="0" u="none" strike="noStrike" cap="none" normalizeH="0" baseline="0" dirty="0" err="1">
+                <a:ln>
+                  <a:noFill/>
+                </a:ln>
+                <a:solidFill>
+                  <a:srgbClr val="000000"/>
+                </a:solidFill>
+                <a:effectLst/>
+                <a:ea typeface="Segoe UI Web (West European)"/>
+              </a:rPr>
+              <a:t>when</a:t>
+            </a:r>
+            <a:r>
+              <a:rPr kumimoji="0" lang="ko-KR" altLang="ko-KR" sz="3000" b="0" i="0" u="none" strike="noStrike" cap="none" normalizeH="0" baseline="0" dirty="0">
+                <a:ln>
+                  <a:noFill/>
+                </a:ln>
+                <a:solidFill>
+                  <a:srgbClr val="000000"/>
+                </a:solidFill>
+                <a:effectLst/>
+                <a:ea typeface="Segoe UI Web (West European)"/>
+              </a:rPr>
+              <a:t> </a:t>
+            </a:r>
+            <a:r>
+              <a:rPr kumimoji="0" lang="ko-KR" altLang="ko-KR" sz="3000" b="0" i="0" u="none" strike="noStrike" cap="none" normalizeH="0" baseline="0" dirty="0" err="1">
+                <a:ln>
+                  <a:noFill/>
+                </a:ln>
+                <a:solidFill>
+                  <a:srgbClr val="000000"/>
+                </a:solidFill>
+                <a:effectLst/>
+                <a:ea typeface="Segoe UI Web (West European)"/>
+              </a:rPr>
+              <a:t>you</a:t>
+            </a:r>
+            <a:r>
+              <a:rPr kumimoji="0" lang="ko-KR" altLang="ko-KR" sz="3000" b="0" i="0" u="none" strike="noStrike" cap="none" normalizeH="0" baseline="0" dirty="0">
+                <a:ln>
+                  <a:noFill/>
+                </a:ln>
+                <a:solidFill>
+                  <a:srgbClr val="000000"/>
+                </a:solidFill>
+                <a:effectLst/>
+                <a:ea typeface="Segoe UI Web (West European)"/>
+              </a:rPr>
+              <a:t> </a:t>
+            </a:r>
+            <a:r>
+              <a:rPr kumimoji="0" lang="ko-KR" altLang="ko-KR" sz="3000" b="0" i="0" u="none" strike="noStrike" cap="none" normalizeH="0" baseline="0" dirty="0" err="1">
+                <a:ln>
+                  <a:noFill/>
+                </a:ln>
+                <a:solidFill>
+                  <a:srgbClr val="000000"/>
+                </a:solidFill>
+                <a:effectLst/>
+                <a:ea typeface="Segoe UI Web (West European)"/>
+              </a:rPr>
+              <a:t>don’t</a:t>
+            </a:r>
+            <a:r>
+              <a:rPr kumimoji="0" lang="ko-KR" altLang="ko-KR" sz="3000" b="0" i="0" u="none" strike="noStrike" cap="none" normalizeH="0" baseline="0" dirty="0">
+                <a:ln>
+                  <a:noFill/>
+                </a:ln>
+                <a:solidFill>
+                  <a:srgbClr val="000000"/>
+                </a:solidFill>
+                <a:effectLst/>
+                <a:ea typeface="Segoe UI Web (West European)"/>
+              </a:rPr>
+              <a:t> </a:t>
+            </a:r>
+            <a:r>
+              <a:rPr kumimoji="0" lang="ko-KR" altLang="ko-KR" sz="3000" b="0" i="0" u="none" strike="noStrike" cap="none" normalizeH="0" baseline="0" dirty="0" err="1">
+                <a:ln>
+                  <a:noFill/>
+                </a:ln>
+                <a:solidFill>
+                  <a:srgbClr val="000000"/>
+                </a:solidFill>
+                <a:effectLst/>
+                <a:ea typeface="Segoe UI Web (West European)"/>
+              </a:rPr>
+              <a:t>want</a:t>
+            </a:r>
+            <a:r>
+              <a:rPr kumimoji="0" lang="ko-KR" altLang="ko-KR" sz="3000" b="0" i="0" u="none" strike="noStrike" cap="none" normalizeH="0" baseline="0" dirty="0">
+                <a:ln>
+                  <a:noFill/>
+                </a:ln>
+                <a:solidFill>
+                  <a:srgbClr val="000000"/>
+                </a:solidFill>
+                <a:effectLst/>
+                <a:ea typeface="Segoe UI Web (West European)"/>
+              </a:rPr>
+              <a:t> </a:t>
+            </a:r>
+            <a:r>
+              <a:rPr kumimoji="0" lang="ko-KR" altLang="ko-KR" sz="3000" b="0" i="0" u="none" strike="noStrike" cap="none" normalizeH="0" baseline="0" dirty="0" err="1">
+                <a:ln>
+                  <a:noFill/>
+                </a:ln>
+                <a:solidFill>
+                  <a:srgbClr val="000000"/>
+                </a:solidFill>
+                <a:effectLst/>
+                <a:ea typeface="Segoe UI Web (West European)"/>
+              </a:rPr>
+              <a:t>to</a:t>
+            </a:r>
+            <a:r>
+              <a:rPr kumimoji="0" lang="ko-KR" altLang="ko-KR" sz="3000" b="0" i="0" u="none" strike="noStrike" cap="none" normalizeH="0" baseline="0" dirty="0">
+                <a:ln>
+                  <a:noFill/>
+                </a:ln>
+                <a:solidFill>
+                  <a:srgbClr val="000000"/>
+                </a:solidFill>
+                <a:effectLst/>
+                <a:ea typeface="Segoe UI Web (West European)"/>
+              </a:rPr>
+              <a:t> </a:t>
+            </a:r>
+            <a:r>
+              <a:rPr kumimoji="0" lang="ko-KR" altLang="ko-KR" sz="3000" b="0" i="0" u="none" strike="noStrike" cap="none" normalizeH="0" baseline="0" dirty="0" err="1">
+                <a:ln>
+                  <a:noFill/>
+                </a:ln>
+                <a:solidFill>
+                  <a:srgbClr val="000000"/>
+                </a:solidFill>
+                <a:effectLst/>
+                <a:ea typeface="Segoe UI Web (West European)"/>
+              </a:rPr>
+              <a:t>write</a:t>
+            </a:r>
+            <a:r>
+              <a:rPr kumimoji="0" lang="ko-KR" altLang="ko-KR" sz="3000" b="0" i="0" u="none" strike="noStrike" cap="none" normalizeH="0" baseline="0" dirty="0">
+                <a:ln>
+                  <a:noFill/>
+                </a:ln>
+                <a:solidFill>
+                  <a:srgbClr val="000000"/>
+                </a:solidFill>
+                <a:effectLst/>
+                <a:ea typeface="Segoe UI Web (West European)"/>
+              </a:rPr>
+              <a:t> </a:t>
+            </a:r>
+            <a:r>
+              <a:rPr kumimoji="0" lang="ko-KR" altLang="ko-KR" sz="3000" b="0" i="0" u="none" strike="noStrike" cap="none" normalizeH="0" baseline="0" dirty="0" err="1">
+                <a:ln>
+                  <a:noFill/>
+                </a:ln>
+                <a:solidFill>
+                  <a:srgbClr val="000000"/>
+                </a:solidFill>
+                <a:effectLst/>
+                <a:ea typeface="Segoe UI Web (West European)"/>
+              </a:rPr>
+              <a:t>out</a:t>
+            </a:r>
+            <a:r>
+              <a:rPr kumimoji="0" lang="ko-KR" altLang="ko-KR" sz="3000" b="0" i="0" u="none" strike="noStrike" cap="none" normalizeH="0" baseline="0" dirty="0">
+                <a:ln>
+                  <a:noFill/>
+                </a:ln>
+                <a:solidFill>
+                  <a:srgbClr val="000000"/>
+                </a:solidFill>
+                <a:effectLst/>
+                <a:ea typeface="Segoe UI Web (West European)"/>
+              </a:rPr>
+              <a:t> </a:t>
+            </a:r>
+            <a:r>
+              <a:rPr kumimoji="0" lang="ko-KR" altLang="ko-KR" sz="3000" b="0" i="0" u="none" strike="noStrike" cap="none" normalizeH="0" baseline="0" dirty="0" err="1">
+                <a:ln>
+                  <a:noFill/>
+                </a:ln>
+                <a:solidFill>
+                  <a:srgbClr val="000000"/>
+                </a:solidFill>
+                <a:effectLst/>
+                <a:ea typeface="Segoe UI Web (West European)"/>
+              </a:rPr>
+              <a:t>a</a:t>
+            </a:r>
+            <a:r>
+              <a:rPr kumimoji="0" lang="ko-KR" altLang="ko-KR" sz="3000" b="0" i="0" u="none" strike="noStrike" cap="none" normalizeH="0" baseline="0" dirty="0">
+                <a:ln>
+                  <a:noFill/>
+                </a:ln>
+                <a:solidFill>
+                  <a:srgbClr val="000000"/>
+                </a:solidFill>
+                <a:effectLst/>
+                <a:ea typeface="Segoe UI Web (West European)"/>
+              </a:rPr>
+              <a:t> </a:t>
+            </a:r>
+            <a:r>
+              <a:rPr kumimoji="0" lang="ko-KR" altLang="ko-KR" sz="3000" b="0" i="0" u="none" strike="noStrike" cap="none" normalizeH="0" baseline="0" dirty="0" err="1">
+                <a:ln>
+                  <a:noFill/>
+                </a:ln>
+                <a:solidFill>
+                  <a:srgbClr val="000000"/>
+                </a:solidFill>
+                <a:effectLst/>
+                <a:ea typeface="Segoe UI Web (West European)"/>
+              </a:rPr>
+              <a:t>long</a:t>
+            </a:r>
+            <a:r>
+              <a:rPr kumimoji="0" lang="ko-KR" altLang="ko-KR" sz="3000" b="0" i="0" u="none" strike="noStrike" cap="none" normalizeH="0" baseline="0" dirty="0">
+                <a:ln>
+                  <a:noFill/>
+                </a:ln>
+                <a:solidFill>
+                  <a:srgbClr val="000000"/>
+                </a:solidFill>
+                <a:effectLst/>
+                <a:ea typeface="Segoe UI Web (West European)"/>
+              </a:rPr>
+              <a:t> </a:t>
+            </a:r>
+            <a:r>
+              <a:rPr kumimoji="0" lang="ko-KR" altLang="ko-KR" sz="3000" b="0" i="0" u="none" strike="noStrike" cap="none" normalizeH="0" baseline="0" dirty="0" err="1">
+                <a:ln>
+                  <a:noFill/>
+                </a:ln>
+                <a:solidFill>
+                  <a:srgbClr val="000000"/>
+                </a:solidFill>
+                <a:effectLst/>
+                <a:ea typeface="Segoe UI Web (West European)"/>
+              </a:rPr>
+              <a:t>type</a:t>
+            </a:r>
+            <a:r>
+              <a:rPr kumimoji="0" lang="ko-KR" altLang="ko-KR" sz="3000" b="0" i="0" u="none" strike="noStrike" cap="none" normalizeH="0" baseline="0" dirty="0">
+                <a:ln>
+                  <a:noFill/>
+                </a:ln>
+                <a:solidFill>
+                  <a:srgbClr val="000000"/>
+                </a:solidFill>
+                <a:effectLst/>
+                <a:ea typeface="Segoe UI Web (West European)"/>
+              </a:rPr>
+              <a:t> </a:t>
+            </a:r>
+            <a:r>
+              <a:rPr kumimoji="0" lang="ko-KR" altLang="ko-KR" sz="3000" b="0" i="0" u="none" strike="noStrike" cap="none" normalizeH="0" baseline="0" dirty="0" err="1">
+                <a:ln>
+                  <a:noFill/>
+                </a:ln>
+                <a:solidFill>
+                  <a:srgbClr val="000000"/>
+                </a:solidFill>
+                <a:effectLst/>
+                <a:ea typeface="Segoe UI Web (West European)"/>
+              </a:rPr>
+              <a:t>just</a:t>
+            </a:r>
+            <a:r>
+              <a:rPr kumimoji="0" lang="ko-KR" altLang="ko-KR" sz="3000" b="0" i="0" u="none" strike="noStrike" cap="none" normalizeH="0" baseline="0" dirty="0">
+                <a:ln>
+                  <a:noFill/>
+                </a:ln>
+                <a:solidFill>
+                  <a:srgbClr val="000000"/>
+                </a:solidFill>
+                <a:effectLst/>
+                <a:ea typeface="Segoe UI Web (West European)"/>
+              </a:rPr>
+              <a:t> </a:t>
+            </a:r>
+            <a:r>
+              <a:rPr kumimoji="0" lang="ko-KR" altLang="ko-KR" sz="3000" b="0" i="0" u="none" strike="noStrike" cap="none" normalizeH="0" baseline="0" dirty="0" err="1">
+                <a:ln>
+                  <a:noFill/>
+                </a:ln>
+                <a:solidFill>
+                  <a:srgbClr val="000000"/>
+                </a:solidFill>
+                <a:effectLst/>
+                <a:ea typeface="Segoe UI Web (West European)"/>
+              </a:rPr>
+              <a:t>to</a:t>
+            </a:r>
+            <a:r>
+              <a:rPr kumimoji="0" lang="ko-KR" altLang="ko-KR" sz="3000" b="0" i="0" u="none" strike="noStrike" cap="none" normalizeH="0" baseline="0" dirty="0">
+                <a:ln>
+                  <a:noFill/>
+                </a:ln>
+                <a:solidFill>
+                  <a:srgbClr val="000000"/>
+                </a:solidFill>
+                <a:effectLst/>
+                <a:ea typeface="Segoe UI Web (West European)"/>
+              </a:rPr>
+              <a:t> </a:t>
+            </a:r>
+            <a:r>
+              <a:rPr kumimoji="0" lang="ko-KR" altLang="ko-KR" sz="3000" b="0" i="0" u="none" strike="noStrike" cap="none" normalizeH="0" baseline="0" dirty="0" err="1">
+                <a:ln>
+                  <a:noFill/>
+                </a:ln>
+                <a:solidFill>
+                  <a:srgbClr val="000000"/>
+                </a:solidFill>
+                <a:effectLst/>
+                <a:ea typeface="Segoe UI Web (West European)"/>
+              </a:rPr>
+              <a:t>convince</a:t>
+            </a:r>
+            <a:r>
+              <a:rPr kumimoji="0" lang="ko-KR" altLang="ko-KR" sz="3000" b="0" i="0" u="none" strike="noStrike" cap="none" normalizeH="0" baseline="0" dirty="0">
+                <a:ln>
+                  <a:noFill/>
+                </a:ln>
+                <a:solidFill>
+                  <a:srgbClr val="000000"/>
+                </a:solidFill>
+                <a:effectLst/>
+                <a:ea typeface="Segoe UI Web (West European)"/>
+              </a:rPr>
+              <a:t> </a:t>
+            </a:r>
+            <a:r>
+              <a:rPr kumimoji="0" lang="ko-KR" altLang="ko-KR" sz="3000" b="0" i="0" u="none" strike="noStrike" cap="none" normalizeH="0" baseline="0" dirty="0" err="1">
+                <a:ln>
+                  <a:noFill/>
+                </a:ln>
+                <a:solidFill>
+                  <a:srgbClr val="000000"/>
+                </a:solidFill>
+                <a:effectLst/>
+                <a:ea typeface="Segoe UI Web (West European)"/>
+              </a:rPr>
+              <a:t>TypeScript</a:t>
+            </a:r>
+            <a:r>
+              <a:rPr kumimoji="0" lang="ko-KR" altLang="ko-KR" sz="3000" b="0" i="0" u="none" strike="noStrike" cap="none" normalizeH="0" baseline="0" dirty="0">
+                <a:ln>
+                  <a:noFill/>
+                </a:ln>
+                <a:solidFill>
+                  <a:srgbClr val="000000"/>
+                </a:solidFill>
+                <a:effectLst/>
+                <a:ea typeface="Segoe UI Web (West European)"/>
+              </a:rPr>
+              <a:t> </a:t>
+            </a:r>
+            <a:r>
+              <a:rPr kumimoji="0" lang="ko-KR" altLang="ko-KR" sz="3000" b="0" i="0" u="none" strike="noStrike" cap="none" normalizeH="0" baseline="0" dirty="0" err="1">
+                <a:ln>
+                  <a:noFill/>
+                </a:ln>
+                <a:solidFill>
+                  <a:srgbClr val="000000"/>
+                </a:solidFill>
+                <a:effectLst/>
+                <a:ea typeface="Segoe UI Web (West European)"/>
+              </a:rPr>
+              <a:t>that</a:t>
+            </a:r>
+            <a:r>
+              <a:rPr kumimoji="0" lang="ko-KR" altLang="ko-KR" sz="3000" b="0" i="0" u="none" strike="noStrike" cap="none" normalizeH="0" baseline="0" dirty="0">
+                <a:ln>
+                  <a:noFill/>
+                </a:ln>
+                <a:solidFill>
+                  <a:srgbClr val="000000"/>
+                </a:solidFill>
+                <a:effectLst/>
+                <a:ea typeface="Segoe UI Web (West European)"/>
+              </a:rPr>
+              <a:t> </a:t>
+            </a:r>
+            <a:r>
+              <a:rPr kumimoji="0" lang="ko-KR" altLang="ko-KR" sz="3000" b="0" i="0" u="none" strike="noStrike" cap="none" normalizeH="0" baseline="0" dirty="0" err="1">
+                <a:ln>
+                  <a:noFill/>
+                </a:ln>
+                <a:solidFill>
+                  <a:srgbClr val="000000"/>
+                </a:solidFill>
+                <a:effectLst/>
+                <a:ea typeface="Segoe UI Web (West European)"/>
+              </a:rPr>
+              <a:t>a</a:t>
+            </a:r>
+            <a:r>
+              <a:rPr kumimoji="0" lang="ko-KR" altLang="ko-KR" sz="3000" b="0" i="0" u="none" strike="noStrike" cap="none" normalizeH="0" baseline="0" dirty="0">
+                <a:ln>
+                  <a:noFill/>
+                </a:ln>
+                <a:solidFill>
+                  <a:srgbClr val="000000"/>
+                </a:solidFill>
+                <a:effectLst/>
+                <a:ea typeface="Segoe UI Web (West European)"/>
+              </a:rPr>
+              <a:t> </a:t>
+            </a:r>
+            <a:r>
+              <a:rPr kumimoji="0" lang="ko-KR" altLang="ko-KR" sz="3000" b="0" i="0" u="none" strike="noStrike" cap="none" normalizeH="0" baseline="0" dirty="0" err="1">
+                <a:ln>
+                  <a:noFill/>
+                </a:ln>
+                <a:solidFill>
+                  <a:srgbClr val="000000"/>
+                </a:solidFill>
+                <a:effectLst/>
+                <a:ea typeface="Segoe UI Web (West European)"/>
+              </a:rPr>
+              <a:t>particular</a:t>
+            </a:r>
+            <a:r>
+              <a:rPr kumimoji="0" lang="ko-KR" altLang="ko-KR" sz="3000" b="0" i="0" u="none" strike="noStrike" cap="none" normalizeH="0" baseline="0" dirty="0">
+                <a:ln>
+                  <a:noFill/>
+                </a:ln>
+                <a:solidFill>
+                  <a:srgbClr val="000000"/>
+                </a:solidFill>
+                <a:effectLst/>
+                <a:ea typeface="Segoe UI Web (West European)"/>
+              </a:rPr>
+              <a:t> </a:t>
+            </a:r>
+            <a:r>
+              <a:rPr kumimoji="0" lang="ko-KR" altLang="ko-KR" sz="3000" b="0" i="0" u="none" strike="noStrike" cap="none" normalizeH="0" baseline="0" dirty="0" err="1">
+                <a:ln>
+                  <a:noFill/>
+                </a:ln>
+                <a:solidFill>
+                  <a:srgbClr val="000000"/>
+                </a:solidFill>
+                <a:effectLst/>
+                <a:ea typeface="Segoe UI Web (West European)"/>
+              </a:rPr>
+              <a:t>line</a:t>
+            </a:r>
+            <a:r>
+              <a:rPr kumimoji="0" lang="ko-KR" altLang="ko-KR" sz="3000" b="0" i="0" u="none" strike="noStrike" cap="none" normalizeH="0" baseline="0" dirty="0">
+                <a:ln>
+                  <a:noFill/>
+                </a:ln>
+                <a:solidFill>
+                  <a:srgbClr val="000000"/>
+                </a:solidFill>
+                <a:effectLst/>
+                <a:ea typeface="Segoe UI Web (West European)"/>
+              </a:rPr>
+              <a:t> of </a:t>
+            </a:r>
+            <a:r>
+              <a:rPr kumimoji="0" lang="ko-KR" altLang="ko-KR" sz="3000" b="0" i="0" u="none" strike="noStrike" cap="none" normalizeH="0" baseline="0" dirty="0" err="1">
+                <a:ln>
+                  <a:noFill/>
+                </a:ln>
+                <a:solidFill>
+                  <a:srgbClr val="000000"/>
+                </a:solidFill>
+                <a:effectLst/>
+                <a:ea typeface="Segoe UI Web (West European)"/>
+              </a:rPr>
+              <a:t>code</a:t>
+            </a:r>
+            <a:r>
+              <a:rPr kumimoji="0" lang="ko-KR" altLang="ko-KR" sz="3000" b="0" i="0" u="none" strike="noStrike" cap="none" normalizeH="0" baseline="0" dirty="0">
+                <a:ln>
+                  <a:noFill/>
+                </a:ln>
+                <a:solidFill>
+                  <a:srgbClr val="000000"/>
+                </a:solidFill>
+                <a:effectLst/>
+                <a:ea typeface="Segoe UI Web (West European)"/>
+              </a:rPr>
+              <a:t> </a:t>
+            </a:r>
+            <a:r>
+              <a:rPr kumimoji="0" lang="ko-KR" altLang="ko-KR" sz="3000" b="0" i="0" u="none" strike="noStrike" cap="none" normalizeH="0" baseline="0" dirty="0" err="1">
+                <a:ln>
+                  <a:noFill/>
+                </a:ln>
+                <a:solidFill>
+                  <a:srgbClr val="000000"/>
+                </a:solidFill>
+                <a:effectLst/>
+                <a:ea typeface="Segoe UI Web (West European)"/>
+              </a:rPr>
+              <a:t>is</a:t>
+            </a:r>
+            <a:r>
+              <a:rPr kumimoji="0" lang="ko-KR" altLang="ko-KR" sz="3000" b="0" i="0" u="none" strike="noStrike" cap="none" normalizeH="0" baseline="0" dirty="0">
+                <a:ln>
+                  <a:noFill/>
+                </a:ln>
+                <a:solidFill>
+                  <a:srgbClr val="000000"/>
+                </a:solidFill>
+                <a:effectLst/>
+                <a:ea typeface="Segoe UI Web (West European)"/>
+              </a:rPr>
+              <a:t> </a:t>
+            </a:r>
+            <a:r>
+              <a:rPr kumimoji="0" lang="ko-KR" altLang="ko-KR" sz="3000" b="0" i="0" u="none" strike="noStrike" cap="none" normalizeH="0" baseline="0" dirty="0" err="1">
+                <a:ln>
+                  <a:noFill/>
+                </a:ln>
+                <a:solidFill>
+                  <a:srgbClr val="000000"/>
+                </a:solidFill>
+                <a:effectLst/>
+                <a:ea typeface="Segoe UI Web (West European)"/>
+              </a:rPr>
+              <a:t>okay</a:t>
+            </a:r>
+            <a:r>
+              <a:rPr kumimoji="0" lang="ko-KR" altLang="ko-KR" sz="3000" b="0" i="0" u="none" strike="noStrike" cap="none" normalizeH="0" baseline="0" dirty="0">
+                <a:ln>
+                  <a:noFill/>
+                </a:ln>
+                <a:solidFill>
+                  <a:srgbClr val="000000"/>
+                </a:solidFill>
+                <a:effectLst/>
+                <a:ea typeface="Segoe UI Web (West European)"/>
+              </a:rPr>
+              <a:t>.</a:t>
+            </a:r>
+            <a:r>
+              <a:rPr kumimoji="0" lang="ko-KR" altLang="ko-KR" sz="3000" b="0" i="0" u="none" strike="noStrike" cap="none" normalizeH="0" baseline="0" dirty="0">
+                <a:ln>
+                  <a:noFill/>
+                </a:ln>
+                <a:solidFill>
+                  <a:schemeClr val="tx1"/>
+                </a:solidFill>
+                <a:effectLst/>
+              </a:rPr>
+              <a:t> </a:t>
+            </a:r>
+          </a:p>
+        </p:txBody>
+      </p:sp>
+    </p:spTree>
+    <p:extLst>
+      <p:ext uri="{BB962C8B-B14F-4D97-AF65-F5344CB8AC3E}">
+        <p14:creationId xmlns:p14="http://schemas.microsoft.com/office/powerpoint/2010/main" val="4080345912"/>
+      </p:ext>
+    </p:extLst>
+  </p:cSld>
+  <p:clrMapOvr>
+    <a:masterClrMapping/>
+  </p:clrMapOvr>
+  <p:transition/>
+</p:sld>
+</file>
+
+<file path=ppt/slides/slide18.xml><?xml version="1.0" encoding="utf-8"?>
 <p:sld xmlns:a="http://schemas.openxmlformats.org/drawingml/2006/main" xmlns:r="http://schemas.openxmlformats.org/officeDocument/2006/relationships" xmlns:p="http://schemas.openxmlformats.org/presentationml/2006/main">
   <p:cSld>
     <p:spTree>
@@ -4296,7 +6203,7 @@
 </p:sld>
 </file>
 
-<file path=ppt/slides/slide15.xml><?xml version="1.0" encoding="utf-8"?>
+<file path=ppt/slides/slide19.xml><?xml version="1.0" encoding="utf-8"?>
 <p:sld xmlns:a="http://schemas.openxmlformats.org/drawingml/2006/main" xmlns:r="http://schemas.openxmlformats.org/officeDocument/2006/relationships" xmlns:p="http://schemas.openxmlformats.org/presentationml/2006/main">
   <p:cSld>
     <p:spTree>
@@ -4467,6 +6374,17 @@
             <a:r>
               <a:rPr lang="ko-KR" altLang="en-US" dirty="0"/>
               <a:t>개선점</a:t>
+            </a:r>
+            <a:endParaRPr lang="en-US" altLang="ko-KR" dirty="0"/>
+          </a:p>
+          <a:p>
+            <a:pPr algn="l">
+              <a:buFont typeface="Arial" panose="020B0604020202020204" pitchFamily="34" charset="0"/>
+              <a:buChar char="•"/>
+            </a:pPr>
+            <a:r>
+              <a:rPr lang="ko-KR" altLang="en-US" dirty="0"/>
+              <a:t>마무리</a:t>
             </a:r>
             <a:endParaRPr lang="en-US" altLang="ko-KR" dirty="0"/>
           </a:p>
@@ -8307,18 +10225,18 @@
 </file>
 
 <file path=customXml/item1.xml><?xml version="1.0" encoding="utf-8"?>
+<p:properties xmlns:p="http://schemas.microsoft.com/office/2006/metadata/properties" xmlns:xsi="http://www.w3.org/2001/XMLSchema-instance">
+  <documentManagement/>
+</p:properties>
+</file>
+
+<file path=customXml/item2.xml><?xml version="1.0" encoding="utf-8"?>
 <?mso-contentType ?>
 <FormTemplates xmlns="http://schemas.microsoft.com/sharepoint/v3/contenttype/forms">
   <Display>DocumentLibraryForm</Display>
   <Edit>DocumentLibraryForm</Edit>
   <New>DocumentLibraryForm</New>
 </FormTemplates>
-</file>
-
-<file path=customXml/item2.xml><?xml version="1.0" encoding="utf-8"?>
-<p:properties xmlns:p="http://schemas.microsoft.com/office/2006/metadata/properties" xmlns:xsi="http://www.w3.org/2001/XMLSchema-instance">
-  <documentManagement/>
-</p:properties>
 </file>
 
 <file path=customXml/item3.xml><?xml version="1.0" encoding="utf-8"?>
@@ -8371,14 +10289,6 @@
 </file>
 
 <file path=customXml/itemProps1.xml><?xml version="1.0" encoding="utf-8"?>
-<ds:datastoreItem xmlns:ds="http://schemas.openxmlformats.org/officeDocument/2006/customXml" ds:itemID="{DD8963C0-3AB0-47F5-8827-4EF87010B394}">
-  <ds:schemaRefs>
-    <ds:schemaRef ds:uri="http://schemas.microsoft.com/sharepoint/v3/contenttype/forms"/>
-  </ds:schemaRefs>
-</ds:datastoreItem>
-</file>
-
-<file path=customXml/itemProps2.xml><?xml version="1.0" encoding="utf-8"?>
 <ds:datastoreItem xmlns:ds="http://schemas.openxmlformats.org/officeDocument/2006/customXml" ds:itemID="{9EAD6E42-7A78-47AC-9704-4CDA62330EB7}">
   <ds:schemaRefs>
     <ds:schemaRef ds:uri="http://purl.org/dc/elements/1.1/"/>
@@ -8388,6 +10298,14 @@
     <ds:schemaRef ds:uri="http://schemas.microsoft.com/office/2006/documentManagement/types"/>
     <ds:schemaRef ds:uri="http://www.w3.org/XML/1998/namespace"/>
     <ds:schemaRef ds:uri="http://purl.org/dc/dcmitype/"/>
+  </ds:schemaRefs>
+</ds:datastoreItem>
+</file>
+
+<file path=customXml/itemProps2.xml><?xml version="1.0" encoding="utf-8"?>
+<ds:datastoreItem xmlns:ds="http://schemas.openxmlformats.org/officeDocument/2006/customXml" ds:itemID="{DD8963C0-3AB0-47F5-8827-4EF87010B394}">
+  <ds:schemaRefs>
+    <ds:schemaRef ds:uri="http://schemas.microsoft.com/sharepoint/v3/contenttype/forms"/>
   </ds:schemaRefs>
 </ds:datastoreItem>
 </file>
